--- a/Lesson1/Database_5.pptx
+++ b/Lesson1/Database_5.pptx
@@ -5,7 +5,7 @@
     <p:sldMasterId id="2147483761" r:id="rId1"/>
   </p:sldMasterIdLst>
   <p:notesMasterIdLst>
-    <p:notesMasterId r:id="rId26"/>
+    <p:notesMasterId r:id="rId22"/>
   </p:notesMasterIdLst>
   <p:sldIdLst>
     <p:sldId id="257" r:id="rId2"/>
@@ -28,10 +28,6 @@
     <p:sldId id="275" r:id="rId19"/>
     <p:sldId id="276" r:id="rId20"/>
     <p:sldId id="277" r:id="rId21"/>
-    <p:sldId id="263" r:id="rId22"/>
-    <p:sldId id="264" r:id="rId23"/>
-    <p:sldId id="265" r:id="rId24"/>
-    <p:sldId id="266" r:id="rId25"/>
   </p:sldIdLst>
   <p:sldSz cx="9144000" cy="6858000" type="screen4x3"/>
   <p:notesSz cx="6985000" cy="9283700"/>
@@ -231,7 +227,7 @@
           <a:p>
             <a:fld id="{245AB83F-D43D-4611-9F61-91D0E349D6C9}" type="datetimeFigureOut">
               <a:rPr lang="en-US" smtClean="0"/>
-              <a:t>6/1/2021</a:t>
+              <a:t>12/15/2021</a:t>
             </a:fld>
             <a:endParaRPr lang="en-US"/>
           </a:p>
@@ -724,7 +720,7 @@
           <a:p>
             <a:fld id="{02C8EE37-5028-4C3B-A06A-3C239ACE1966}" type="datetime1">
               <a:rPr lang="en-US" smtClean="0"/>
-              <a:t>6/1/2021</a:t>
+              <a:t>12/15/2021</a:t>
             </a:fld>
             <a:endParaRPr lang="en-US"/>
           </a:p>
@@ -933,7 +929,7 @@
           <a:p>
             <a:fld id="{8EC41926-B5B3-4B94-835D-A15930923164}" type="datetime1">
               <a:rPr lang="en-US" smtClean="0"/>
-              <a:t>6/1/2021</a:t>
+              <a:t>12/15/2021</a:t>
             </a:fld>
             <a:endParaRPr lang="en-US"/>
           </a:p>
@@ -1190,7 +1186,7 @@
           <a:p>
             <a:fld id="{250B2DF6-AAC7-4BB1-84A7-A7B2E0538C47}" type="datetime1">
               <a:rPr lang="en-US" smtClean="0"/>
-              <a:t>6/1/2021</a:t>
+              <a:t>12/15/2021</a:t>
             </a:fld>
             <a:endParaRPr lang="en-US"/>
           </a:p>
@@ -1361,7 +1357,7 @@
           <a:p>
             <a:fld id="{57415878-FD41-451E-A577-158A807A4784}" type="datetime1">
               <a:rPr lang="en-US" smtClean="0"/>
-              <a:t>6/1/2021</a:t>
+              <a:t>12/15/2021</a:t>
             </a:fld>
             <a:endParaRPr lang="en-US"/>
           </a:p>
@@ -1705,7 +1701,7 @@
           <a:p>
             <a:fld id="{0ADE32CA-506B-4F5B-AD6B-C5CC7378D2CF}" type="datetime1">
               <a:rPr lang="en-US" smtClean="0"/>
-              <a:t>6/1/2021</a:t>
+              <a:t>12/15/2021</a:t>
             </a:fld>
             <a:endParaRPr lang="en-US"/>
           </a:p>
@@ -1981,7 +1977,7 @@
           <a:p>
             <a:fld id="{B6EA6374-173C-4665-A2EC-471B46CD1661}" type="datetime1">
               <a:rPr lang="en-US" smtClean="0"/>
-              <a:t>6/1/2021</a:t>
+              <a:t>12/15/2021</a:t>
             </a:fld>
             <a:endParaRPr lang="en-US"/>
           </a:p>
@@ -2361,7 +2357,7 @@
           <a:p>
             <a:fld id="{03DD4A5C-C3F8-47CC-A2E1-E36C66563A01}" type="datetime1">
               <a:rPr lang="en-US" smtClean="0"/>
-              <a:t>6/1/2021</a:t>
+              <a:t>12/15/2021</a:t>
             </a:fld>
             <a:endParaRPr lang="en-US"/>
           </a:p>
@@ -2480,7 +2476,7 @@
           <a:p>
             <a:fld id="{9C9E1A3B-747A-4B47-9996-0DE7084775E1}" type="datetime1">
               <a:rPr lang="en-US" smtClean="0"/>
-              <a:t>6/1/2021</a:t>
+              <a:t>12/15/2021</a:t>
             </a:fld>
             <a:endParaRPr lang="en-US"/>
           </a:p>
@@ -2652,7 +2648,7 @@
           <a:p>
             <a:fld id="{5893527C-53A9-41E7-8D25-C66CCB598367}" type="datetime1">
               <a:rPr lang="en-US" smtClean="0"/>
-              <a:t>6/1/2021</a:t>
+              <a:t>12/15/2021</a:t>
             </a:fld>
             <a:endParaRPr lang="en-US"/>
           </a:p>
@@ -3007,7 +3003,7 @@
           <a:p>
             <a:fld id="{8E6C3466-6C0C-4DC8-AD1E-A5AD105C913A}" type="datetime1">
               <a:rPr lang="en-US" smtClean="0"/>
-              <a:t>6/1/2021</a:t>
+              <a:t>12/15/2021</a:t>
             </a:fld>
             <a:endParaRPr lang="en-US"/>
           </a:p>
@@ -3385,7 +3381,7 @@
           <a:p>
             <a:fld id="{B30476AC-900F-4B2B-BCBB-B1093B0CE584}" type="datetime1">
               <a:rPr lang="en-US" smtClean="0"/>
-              <a:t>6/1/2021</a:t>
+              <a:t>12/15/2021</a:t>
             </a:fld>
             <a:endParaRPr lang="en-US"/>
           </a:p>
@@ -3673,7 +3669,7 @@
           <a:p>
             <a:fld id="{365097AE-B23A-4982-A522-A00082707316}" type="datetime1">
               <a:rPr lang="en-US" smtClean="0"/>
-              <a:t>6/1/2021</a:t>
+              <a:t>12/15/2021</a:t>
             </a:fld>
             <a:endParaRPr lang="en-US"/>
           </a:p>
@@ -8984,7 +8980,7 @@
           <a:p>
             <a:r>
               <a:rPr lang="en-US" b="1" dirty="0"/>
-              <a:t>NULL values</a:t>
+              <a:t>NULL values </a:t>
             </a:r>
           </a:p>
         </p:txBody>
@@ -8999,7 +8995,12 @@
             <p:ph idx="1"/>
           </p:nvPr>
         </p:nvSpPr>
-        <p:spPr/>
+        <p:spPr>
+          <a:xfrm>
+            <a:off x="914400" y="1905000"/>
+            <a:ext cx="7543801" cy="1754294"/>
+          </a:xfrm>
+        </p:spPr>
         <p:txBody>
           <a:bodyPr/>
           <a:lstStyle/>
@@ -9010,7 +9011,7 @@
             </a:pPr>
             <a:r>
               <a:rPr lang="en-US" dirty="0"/>
-              <a:t> The NULL is how SQL handles missing values.</a:t>
+              <a:t> NULL is an unknown and undefined value.  </a:t>
             </a:r>
           </a:p>
           <a:p>
@@ -9020,7 +9021,7 @@
             </a:pPr>
             <a:r>
               <a:rPr lang="en-US" dirty="0"/>
-              <a:t> Arithmetic operation with NULL in SQL will return a NULL. </a:t>
+              <a:t>Arithmetic operation with NULL in SQL will return a NULL. </a:t>
             </a:r>
           </a:p>
           <a:p>
@@ -9029,18 +9030,16 @@
               <a:buChar char="o"/>
             </a:pPr>
             <a:r>
+              <a:rPr lang="en-US" strike="sngStrike" dirty="0">
+                <a:solidFill>
+                  <a:srgbClr val="FF0000"/>
+                </a:solidFill>
+              </a:rPr>
+              <a:t>Where Value = Null</a:t>
+            </a:r>
+            <a:r>
               <a:rPr lang="en-US" dirty="0"/>
-              <a:t> NULL is an unknown and undefined value.  </a:t>
-            </a:r>
-          </a:p>
-          <a:p>
-            <a:pPr>
-              <a:buFont typeface="Courier New" panose="02070309020205020404" pitchFamily="49" charset="0"/>
-              <a:buChar char="o"/>
-            </a:pPr>
-            <a:r>
-              <a:rPr lang="en-US" dirty="0"/>
-              <a:t> It can be compared to itself.</a:t>
+              <a:t>  -&gt;  Where Value is Null</a:t>
             </a:r>
           </a:p>
         </p:txBody>
@@ -9072,6 +9071,41 @@
               <a:t>16</a:t>
             </a:fld>
             <a:endParaRPr lang="en-US"/>
+          </a:p>
+        </p:txBody>
+      </p:sp>
+      <p:sp>
+        <p:nvSpPr>
+          <p:cNvPr id="6" name="TextBox 5">
+            <a:extLst>
+              <a:ext uri="{FF2B5EF4-FFF2-40B4-BE49-F238E27FC236}">
+                <a16:creationId xmlns:a16="http://schemas.microsoft.com/office/drawing/2014/main" id="{04950EB3-9B56-46E6-8F0E-7B60F3B58CD8}"/>
+              </a:ext>
+            </a:extLst>
+          </p:cNvPr>
+          <p:cNvSpPr txBox="1"/>
+          <p:nvPr/>
+        </p:nvSpPr>
+        <p:spPr>
+          <a:xfrm>
+            <a:off x="914400" y="4038600"/>
+            <a:ext cx="6858000" cy="369332"/>
+          </a:xfrm>
+          <a:prstGeom prst="rect">
+            <a:avLst/>
+          </a:prstGeom>
+          <a:noFill/>
+        </p:spPr>
+        <p:txBody>
+          <a:bodyPr wrap="square">
+            <a:spAutoFit/>
+          </a:bodyPr>
+          <a:lstStyle/>
+          <a:p>
+            <a:r>
+              <a:rPr lang="en-US" dirty="0"/>
+              <a:t>Question: How much money do you have.</a:t>
+            </a:r>
           </a:p>
         </p:txBody>
       </p:sp>
@@ -9151,171 +9185,7 @@
                   <a:srgbClr val="0070C0"/>
                 </a:solidFill>
               </a:rPr>
-              <a:t>select</a:t>
-            </a:r>
-          </a:p>
-          <a:p>
-            <a:pPr marL="0" indent="0">
-              <a:buNone/>
-            </a:pPr>
-            <a:r>
-              <a:rPr lang="en-US" dirty="0">
-                <a:solidFill>
-                  <a:srgbClr val="0070C0"/>
-                </a:solidFill>
-              </a:rPr>
-              <a:t>  </a:t>
-            </a:r>
-            <a:r>
-              <a:rPr lang="en-US" dirty="0" err="1">
-                <a:solidFill>
-                  <a:srgbClr val="0070C0"/>
-                </a:solidFill>
-              </a:rPr>
-              <a:t>AltPhone</a:t>
-            </a:r>
-            <a:r>
-              <a:rPr lang="en-US" dirty="0">
-                <a:solidFill>
-                  <a:srgbClr val="0070C0"/>
-                </a:solidFill>
-              </a:rPr>
-              <a:t>, </a:t>
-            </a:r>
-          </a:p>
-          <a:p>
-            <a:pPr marL="0" indent="0">
-              <a:buNone/>
-            </a:pPr>
-            <a:r>
-              <a:rPr lang="en-US" dirty="0">
-                <a:solidFill>
-                  <a:srgbClr val="0070C0"/>
-                </a:solidFill>
-              </a:rPr>
-              <a:t>  </a:t>
-            </a:r>
-            <a:r>
-              <a:rPr lang="en-US" dirty="0" err="1">
-                <a:solidFill>
-                  <a:srgbClr val="0070C0"/>
-                </a:solidFill>
-              </a:rPr>
-              <a:t>IsNull</a:t>
-            </a:r>
-            <a:r>
-              <a:rPr lang="en-US" dirty="0">
-                <a:solidFill>
-                  <a:srgbClr val="0070C0"/>
-                </a:solidFill>
-              </a:rPr>
-              <a:t>(</a:t>
-            </a:r>
-            <a:r>
-              <a:rPr lang="en-US" dirty="0" err="1">
-                <a:solidFill>
-                  <a:srgbClr val="0070C0"/>
-                </a:solidFill>
-              </a:rPr>
-              <a:t>AltPhone</a:t>
-            </a:r>
-            <a:r>
-              <a:rPr lang="en-US" dirty="0">
-                <a:solidFill>
-                  <a:srgbClr val="0070C0"/>
-                </a:solidFill>
-              </a:rPr>
-              <a:t>, Phone), </a:t>
-            </a:r>
-          </a:p>
-          <a:p>
-            <a:pPr marL="0" indent="0">
-              <a:buNone/>
-            </a:pPr>
-            <a:r>
-              <a:rPr lang="en-US" dirty="0">
-                <a:solidFill>
-                  <a:srgbClr val="0070C0"/>
-                </a:solidFill>
-              </a:rPr>
-              <a:t>  </a:t>
-            </a:r>
-            <a:r>
-              <a:rPr lang="en-US" dirty="0" err="1">
-                <a:solidFill>
-                  <a:srgbClr val="0070C0"/>
-                </a:solidFill>
-              </a:rPr>
-              <a:t>IsNull</a:t>
-            </a:r>
-            <a:r>
-              <a:rPr lang="en-US" dirty="0">
-                <a:solidFill>
-                  <a:srgbClr val="0070C0"/>
-                </a:solidFill>
-              </a:rPr>
-              <a:t>(</a:t>
-            </a:r>
-            <a:r>
-              <a:rPr lang="en-US" dirty="0" err="1">
-                <a:solidFill>
-                  <a:srgbClr val="0070C0"/>
-                </a:solidFill>
-              </a:rPr>
-              <a:t>AltPhone</a:t>
-            </a:r>
-            <a:r>
-              <a:rPr lang="en-US" dirty="0">
-                <a:solidFill>
-                  <a:srgbClr val="0070C0"/>
-                </a:solidFill>
-              </a:rPr>
-              <a:t>, '000 000 0000'),</a:t>
-            </a:r>
-          </a:p>
-          <a:p>
-            <a:pPr marL="0" indent="0">
-              <a:buNone/>
-            </a:pPr>
-            <a:r>
-              <a:rPr lang="en-US" dirty="0">
-                <a:solidFill>
-                  <a:srgbClr val="0070C0"/>
-                </a:solidFill>
-              </a:rPr>
-              <a:t>  coalesce(</a:t>
-            </a:r>
-            <a:r>
-              <a:rPr lang="en-US" dirty="0" err="1">
-                <a:solidFill>
-                  <a:srgbClr val="0070C0"/>
-                </a:solidFill>
-              </a:rPr>
-              <a:t>AltPhone</a:t>
-            </a:r>
-            <a:r>
-              <a:rPr lang="en-US" dirty="0">
-                <a:solidFill>
-                  <a:srgbClr val="0070C0"/>
-                </a:solidFill>
-              </a:rPr>
-              <a:t>, </a:t>
-            </a:r>
-            <a:r>
-              <a:rPr lang="en-US" dirty="0" err="1">
-                <a:solidFill>
-                  <a:srgbClr val="0070C0"/>
-                </a:solidFill>
-              </a:rPr>
-              <a:t>FaxNumber</a:t>
-            </a:r>
-            <a:r>
-              <a:rPr lang="en-US" dirty="0">
-                <a:solidFill>
-                  <a:srgbClr val="0070C0"/>
-                </a:solidFill>
-              </a:rPr>
-              <a:t>, Phone)</a:t>
+              <a:t>Select *</a:t>
             </a:r>
           </a:p>
           <a:p>
@@ -12721,2270 +12591,6 @@
 </p:sld>
 </file>
 
-<file path=ppt/slides/slide21.xml><?xml version="1.0" encoding="utf-8"?>
-<p:sld xmlns:a="http://schemas.openxmlformats.org/drawingml/2006/main" xmlns:r="http://schemas.openxmlformats.org/officeDocument/2006/relationships" xmlns:p="http://schemas.openxmlformats.org/presentationml/2006/main">
-  <p:cSld>
-    <p:spTree>
-      <p:nvGrpSpPr>
-        <p:cNvPr id="1" name=""/>
-        <p:cNvGrpSpPr/>
-        <p:nvPr/>
-      </p:nvGrpSpPr>
-      <p:grpSpPr>
-        <a:xfrm>
-          <a:off x="0" y="0"/>
-          <a:ext cx="0" cy="0"/>
-          <a:chOff x="0" y="0"/>
-          <a:chExt cx="0" cy="0"/>
-        </a:xfrm>
-      </p:grpSpPr>
-      <p:sp>
-        <p:nvSpPr>
-          <p:cNvPr id="2" name="Title 1"/>
-          <p:cNvSpPr>
-            <a:spLocks noGrp="1"/>
-          </p:cNvSpPr>
-          <p:nvPr>
-            <p:ph type="title"/>
-          </p:nvPr>
-        </p:nvSpPr>
-        <p:spPr/>
-        <p:txBody>
-          <a:bodyPr/>
-          <a:lstStyle/>
-          <a:p>
-            <a:r>
-              <a:rPr lang="en-US" b="1" dirty="0"/>
-              <a:t>Types of SQL commands</a:t>
-            </a:r>
-            <a:endParaRPr lang="en-US" dirty="0"/>
-          </a:p>
-        </p:txBody>
-      </p:sp>
-      <p:sp>
-        <p:nvSpPr>
-          <p:cNvPr id="3" name="Content Placeholder 2"/>
-          <p:cNvSpPr>
-            <a:spLocks noGrp="1"/>
-          </p:cNvSpPr>
-          <p:nvPr>
-            <p:ph idx="1"/>
-          </p:nvPr>
-        </p:nvSpPr>
-        <p:spPr/>
-        <p:txBody>
-          <a:bodyPr/>
-          <a:lstStyle/>
-          <a:p>
-            <a:pPr marL="0" indent="0">
-              <a:buNone/>
-            </a:pPr>
-            <a:r>
-              <a:rPr lang="en-US" dirty="0"/>
-              <a:t>SQL commands are the set of commands used to communicate and manage the data present in the database. The different type of SQL commands are</a:t>
-            </a:r>
-          </a:p>
-          <a:p>
-            <a:r>
-              <a:rPr lang="en-US" dirty="0"/>
-              <a:t>DDL - Data Definition Language</a:t>
-            </a:r>
-          </a:p>
-          <a:p>
-            <a:r>
-              <a:rPr lang="en-US" dirty="0"/>
-              <a:t>DML - Data Manipulation Language</a:t>
-            </a:r>
-          </a:p>
-          <a:p>
-            <a:r>
-              <a:rPr lang="en-US" dirty="0"/>
-              <a:t>DCL - Data Control Language</a:t>
-            </a:r>
-          </a:p>
-          <a:p>
-            <a:pPr marL="0" indent="0">
-              <a:buNone/>
-            </a:pPr>
-            <a:endParaRPr lang="en-US" dirty="0"/>
-          </a:p>
-        </p:txBody>
-      </p:sp>
-      <p:sp>
-        <p:nvSpPr>
-          <p:cNvPr id="4" name="Slide Number Placeholder 3">
-            <a:extLst>
-              <a:ext uri="{FF2B5EF4-FFF2-40B4-BE49-F238E27FC236}">
-                <a16:creationId xmlns:a16="http://schemas.microsoft.com/office/drawing/2014/main" id="{0226C4BC-08C4-43F0-B015-88F655EDB08B}"/>
-              </a:ext>
-            </a:extLst>
-          </p:cNvPr>
-          <p:cNvSpPr>
-            <a:spLocks noGrp="1"/>
-          </p:cNvSpPr>
-          <p:nvPr>
-            <p:ph type="sldNum" sz="quarter" idx="12"/>
-          </p:nvPr>
-        </p:nvSpPr>
-        <p:spPr/>
-        <p:txBody>
-          <a:bodyPr/>
-          <a:lstStyle/>
-          <a:p>
-            <a:fld id="{3D6DCF8A-2D98-4531-B944-09079F76F2E1}" type="slidenum">
-              <a:rPr lang="en-US" smtClean="0"/>
-              <a:pPr/>
-              <a:t>21</a:t>
-            </a:fld>
-            <a:endParaRPr lang="en-US"/>
-          </a:p>
-        </p:txBody>
-      </p:sp>
-    </p:spTree>
-    <p:extLst>
-      <p:ext uri="{BB962C8B-B14F-4D97-AF65-F5344CB8AC3E}">
-        <p14:creationId xmlns:p14="http://schemas.microsoft.com/office/powerpoint/2010/main" val="3111701641"/>
-      </p:ext>
-    </p:extLst>
-  </p:cSld>
-  <p:clrMapOvr>
-    <a:masterClrMapping/>
-  </p:clrMapOvr>
-  <mc:AlternateContent xmlns:mc="http://schemas.openxmlformats.org/markup-compatibility/2006" xmlns:p14="http://schemas.microsoft.com/office/powerpoint/2010/main">
-    <mc:Choice Requires="p14">
-      <p:transition spd="med" p14:dur="700">
-        <p:fade/>
-      </p:transition>
-    </mc:Choice>
-    <mc:Fallback xmlns="">
-      <p:transition spd="med">
-        <p:fade/>
-      </p:transition>
-    </mc:Fallback>
-  </mc:AlternateContent>
-  <p:timing>
-    <p:tnLst>
-      <p:par>
-        <p:cTn id="1" dur="indefinite" restart="never" nodeType="tmRoot">
-          <p:childTnLst>
-            <p:seq concurrent="1" nextAc="seek">
-              <p:cTn id="2" dur="indefinite" nodeType="mainSeq">
-                <p:childTnLst>
-                  <p:par>
-                    <p:cTn id="3" fill="hold">
-                      <p:stCondLst>
-                        <p:cond delay="indefinite"/>
-                      </p:stCondLst>
-                      <p:childTnLst>
-                        <p:par>
-                          <p:cTn id="4" fill="hold">
-                            <p:stCondLst>
-                              <p:cond delay="0"/>
-                            </p:stCondLst>
-                            <p:childTnLst>
-                              <p:par>
-                                <p:cTn id="5" presetID="1" presetClass="entr" presetSubtype="0" fill="hold" grpId="0" nodeType="clickEffect">
-                                  <p:stCondLst>
-                                    <p:cond delay="0"/>
-                                  </p:stCondLst>
-                                  <p:childTnLst>
-                                    <p:set>
-                                      <p:cBhvr>
-                                        <p:cTn id="6" dur="1" fill="hold">
-                                          <p:stCondLst>
-                                            <p:cond delay="0"/>
-                                          </p:stCondLst>
-                                        </p:cTn>
-                                        <p:tgtEl>
-                                          <p:spTgt spid="3">
-                                            <p:txEl>
-                                              <p:pRg st="0" end="0"/>
-                                            </p:txEl>
-                                          </p:spTgt>
-                                        </p:tgtEl>
-                                        <p:attrNameLst>
-                                          <p:attrName>style.visibility</p:attrName>
-                                        </p:attrNameLst>
-                                      </p:cBhvr>
-                                      <p:to>
-                                        <p:strVal val="visible"/>
-                                      </p:to>
-                                    </p:set>
-                                  </p:childTnLst>
-                                </p:cTn>
-                              </p:par>
-                            </p:childTnLst>
-                          </p:cTn>
-                        </p:par>
-                      </p:childTnLst>
-                    </p:cTn>
-                  </p:par>
-                  <p:par>
-                    <p:cTn id="7" fill="hold">
-                      <p:stCondLst>
-                        <p:cond delay="indefinite"/>
-                      </p:stCondLst>
-                      <p:childTnLst>
-                        <p:par>
-                          <p:cTn id="8" fill="hold">
-                            <p:stCondLst>
-                              <p:cond delay="0"/>
-                            </p:stCondLst>
-                            <p:childTnLst>
-                              <p:par>
-                                <p:cTn id="9" presetID="1" presetClass="entr" presetSubtype="0" fill="hold" grpId="0" nodeType="clickEffect">
-                                  <p:stCondLst>
-                                    <p:cond delay="0"/>
-                                  </p:stCondLst>
-                                  <p:childTnLst>
-                                    <p:set>
-                                      <p:cBhvr>
-                                        <p:cTn id="10" dur="1" fill="hold">
-                                          <p:stCondLst>
-                                            <p:cond delay="0"/>
-                                          </p:stCondLst>
-                                        </p:cTn>
-                                        <p:tgtEl>
-                                          <p:spTgt spid="3">
-                                            <p:txEl>
-                                              <p:pRg st="1" end="1"/>
-                                            </p:txEl>
-                                          </p:spTgt>
-                                        </p:tgtEl>
-                                        <p:attrNameLst>
-                                          <p:attrName>style.visibility</p:attrName>
-                                        </p:attrNameLst>
-                                      </p:cBhvr>
-                                      <p:to>
-                                        <p:strVal val="visible"/>
-                                      </p:to>
-                                    </p:set>
-                                  </p:childTnLst>
-                                </p:cTn>
-                              </p:par>
-                            </p:childTnLst>
-                          </p:cTn>
-                        </p:par>
-                      </p:childTnLst>
-                    </p:cTn>
-                  </p:par>
-                  <p:par>
-                    <p:cTn id="11" fill="hold">
-                      <p:stCondLst>
-                        <p:cond delay="indefinite"/>
-                      </p:stCondLst>
-                      <p:childTnLst>
-                        <p:par>
-                          <p:cTn id="12" fill="hold">
-                            <p:stCondLst>
-                              <p:cond delay="0"/>
-                            </p:stCondLst>
-                            <p:childTnLst>
-                              <p:par>
-                                <p:cTn id="13" presetID="1" presetClass="entr" presetSubtype="0" fill="hold" grpId="0" nodeType="clickEffect">
-                                  <p:stCondLst>
-                                    <p:cond delay="0"/>
-                                  </p:stCondLst>
-                                  <p:childTnLst>
-                                    <p:set>
-                                      <p:cBhvr>
-                                        <p:cTn id="14" dur="1" fill="hold">
-                                          <p:stCondLst>
-                                            <p:cond delay="0"/>
-                                          </p:stCondLst>
-                                        </p:cTn>
-                                        <p:tgtEl>
-                                          <p:spTgt spid="3">
-                                            <p:txEl>
-                                              <p:pRg st="2" end="2"/>
-                                            </p:txEl>
-                                          </p:spTgt>
-                                        </p:tgtEl>
-                                        <p:attrNameLst>
-                                          <p:attrName>style.visibility</p:attrName>
-                                        </p:attrNameLst>
-                                      </p:cBhvr>
-                                      <p:to>
-                                        <p:strVal val="visible"/>
-                                      </p:to>
-                                    </p:set>
-                                  </p:childTnLst>
-                                </p:cTn>
-                              </p:par>
-                            </p:childTnLst>
-                          </p:cTn>
-                        </p:par>
-                      </p:childTnLst>
-                    </p:cTn>
-                  </p:par>
-                  <p:par>
-                    <p:cTn id="15" fill="hold">
-                      <p:stCondLst>
-                        <p:cond delay="indefinite"/>
-                      </p:stCondLst>
-                      <p:childTnLst>
-                        <p:par>
-                          <p:cTn id="16" fill="hold">
-                            <p:stCondLst>
-                              <p:cond delay="0"/>
-                            </p:stCondLst>
-                            <p:childTnLst>
-                              <p:par>
-                                <p:cTn id="17" presetID="1" presetClass="entr" presetSubtype="0" fill="hold" grpId="0" nodeType="clickEffect">
-                                  <p:stCondLst>
-                                    <p:cond delay="0"/>
-                                  </p:stCondLst>
-                                  <p:childTnLst>
-                                    <p:set>
-                                      <p:cBhvr>
-                                        <p:cTn id="18" dur="1" fill="hold">
-                                          <p:stCondLst>
-                                            <p:cond delay="0"/>
-                                          </p:stCondLst>
-                                        </p:cTn>
-                                        <p:tgtEl>
-                                          <p:spTgt spid="3">
-                                            <p:txEl>
-                                              <p:pRg st="3" end="3"/>
-                                            </p:txEl>
-                                          </p:spTgt>
-                                        </p:tgtEl>
-                                        <p:attrNameLst>
-                                          <p:attrName>style.visibility</p:attrName>
-                                        </p:attrNameLst>
-                                      </p:cBhvr>
-                                      <p:to>
-                                        <p:strVal val="visible"/>
-                                      </p:to>
-                                    </p:set>
-                                  </p:childTnLst>
-                                </p:cTn>
-                              </p:par>
-                            </p:childTnLst>
-                          </p:cTn>
-                        </p:par>
-                      </p:childTnLst>
-                    </p:cTn>
-                  </p:par>
-                </p:childTnLst>
-              </p:cTn>
-              <p:prevCondLst>
-                <p:cond evt="onPrev" delay="0">
-                  <p:tgtEl>
-                    <p:sldTgt/>
-                  </p:tgtEl>
-                </p:cond>
-              </p:prevCondLst>
-              <p:nextCondLst>
-                <p:cond evt="onNext" delay="0">
-                  <p:tgtEl>
-                    <p:sldTgt/>
-                  </p:tgtEl>
-                </p:cond>
-              </p:nextCondLst>
-            </p:seq>
-          </p:childTnLst>
-        </p:cTn>
-      </p:par>
-    </p:tnLst>
-    <p:bldLst>
-      <p:bldP spid="3" grpId="0" build="p"/>
-    </p:bldLst>
-  </p:timing>
-</p:sld>
-</file>
-
-<file path=ppt/slides/slide22.xml><?xml version="1.0" encoding="utf-8"?>
-<p:sld xmlns:a="http://schemas.openxmlformats.org/drawingml/2006/main" xmlns:r="http://schemas.openxmlformats.org/officeDocument/2006/relationships" xmlns:p="http://schemas.openxmlformats.org/presentationml/2006/main">
-  <p:cSld>
-    <p:spTree>
-      <p:nvGrpSpPr>
-        <p:cNvPr id="1" name=""/>
-        <p:cNvGrpSpPr/>
-        <p:nvPr/>
-      </p:nvGrpSpPr>
-      <p:grpSpPr>
-        <a:xfrm>
-          <a:off x="0" y="0"/>
-          <a:ext cx="0" cy="0"/>
-          <a:chOff x="0" y="0"/>
-          <a:chExt cx="0" cy="0"/>
-        </a:xfrm>
-      </p:grpSpPr>
-      <p:sp>
-        <p:nvSpPr>
-          <p:cNvPr id="2" name="Title 1"/>
-          <p:cNvSpPr>
-            <a:spLocks noGrp="1"/>
-          </p:cNvSpPr>
-          <p:nvPr>
-            <p:ph type="title"/>
-          </p:nvPr>
-        </p:nvSpPr>
-        <p:spPr/>
-        <p:txBody>
-          <a:bodyPr/>
-          <a:lstStyle/>
-          <a:p>
-            <a:r>
-              <a:rPr lang="en-US" b="1" dirty="0"/>
-              <a:t>DDL commands</a:t>
-            </a:r>
-            <a:endParaRPr lang="en-US" dirty="0"/>
-          </a:p>
-        </p:txBody>
-      </p:sp>
-      <p:sp>
-        <p:nvSpPr>
-          <p:cNvPr id="3" name="Content Placeholder 2"/>
-          <p:cNvSpPr>
-            <a:spLocks noGrp="1"/>
-          </p:cNvSpPr>
-          <p:nvPr>
-            <p:ph idx="1"/>
-          </p:nvPr>
-        </p:nvSpPr>
-        <p:spPr/>
-        <p:txBody>
-          <a:bodyPr>
-            <a:normAutofit/>
-          </a:bodyPr>
-          <a:lstStyle/>
-          <a:p>
-            <a:pPr marL="0" indent="0">
-              <a:buNone/>
-            </a:pPr>
-            <a:r>
-              <a:rPr lang="en-US" dirty="0"/>
-              <a:t>DDL refers to Data Definition Language, it is used to define or alter the structure of the database. The different DDL commands are-</a:t>
-            </a:r>
-          </a:p>
-          <a:p>
-            <a:r>
-              <a:rPr lang="en-US" dirty="0"/>
-              <a:t>CREATE - Used to create table in the database</a:t>
-            </a:r>
-          </a:p>
-          <a:p>
-            <a:r>
-              <a:rPr lang="en-US" dirty="0"/>
-              <a:t>DROP - Drops the table from the database</a:t>
-            </a:r>
-          </a:p>
-          <a:p>
-            <a:r>
-              <a:rPr lang="en-US" dirty="0"/>
-              <a:t>ALTER - Alters the structure of the database</a:t>
-            </a:r>
-          </a:p>
-          <a:p>
-            <a:r>
-              <a:rPr lang="en-US" dirty="0"/>
-              <a:t>TRUNCATE - Deletes all the records from the database but not its database structure</a:t>
-            </a:r>
-          </a:p>
-          <a:p>
-            <a:r>
-              <a:rPr lang="en-US" dirty="0"/>
-              <a:t>RENAME - Renames a database object</a:t>
-            </a:r>
-          </a:p>
-          <a:p>
-            <a:endParaRPr lang="en-US" dirty="0"/>
-          </a:p>
-        </p:txBody>
-      </p:sp>
-      <p:sp>
-        <p:nvSpPr>
-          <p:cNvPr id="4" name="Slide Number Placeholder 3">
-            <a:extLst>
-              <a:ext uri="{FF2B5EF4-FFF2-40B4-BE49-F238E27FC236}">
-                <a16:creationId xmlns:a16="http://schemas.microsoft.com/office/drawing/2014/main" id="{2F29F637-CA4E-47F0-B6B9-1AE4DCA771B3}"/>
-              </a:ext>
-            </a:extLst>
-          </p:cNvPr>
-          <p:cNvSpPr>
-            <a:spLocks noGrp="1"/>
-          </p:cNvSpPr>
-          <p:nvPr>
-            <p:ph type="sldNum" sz="quarter" idx="12"/>
-          </p:nvPr>
-        </p:nvSpPr>
-        <p:spPr/>
-        <p:txBody>
-          <a:bodyPr/>
-          <a:lstStyle/>
-          <a:p>
-            <a:fld id="{3D6DCF8A-2D98-4531-B944-09079F76F2E1}" type="slidenum">
-              <a:rPr lang="en-US" smtClean="0"/>
-              <a:pPr/>
-              <a:t>22</a:t>
-            </a:fld>
-            <a:endParaRPr lang="en-US"/>
-          </a:p>
-        </p:txBody>
-      </p:sp>
-    </p:spTree>
-    <p:extLst>
-      <p:ext uri="{BB962C8B-B14F-4D97-AF65-F5344CB8AC3E}">
-        <p14:creationId xmlns:p14="http://schemas.microsoft.com/office/powerpoint/2010/main" val="4046275883"/>
-      </p:ext>
-    </p:extLst>
-  </p:cSld>
-  <p:clrMapOvr>
-    <a:masterClrMapping/>
-  </p:clrMapOvr>
-  <p:timing>
-    <p:tnLst>
-      <p:par>
-        <p:cTn id="1" dur="indefinite" restart="never" nodeType="tmRoot">
-          <p:childTnLst>
-            <p:seq concurrent="1" nextAc="seek">
-              <p:cTn id="2" dur="indefinite" nodeType="mainSeq">
-                <p:childTnLst>
-                  <p:par>
-                    <p:cTn id="3" fill="hold">
-                      <p:stCondLst>
-                        <p:cond delay="indefinite"/>
-                      </p:stCondLst>
-                      <p:childTnLst>
-                        <p:par>
-                          <p:cTn id="4" fill="hold">
-                            <p:stCondLst>
-                              <p:cond delay="0"/>
-                            </p:stCondLst>
-                            <p:childTnLst>
-                              <p:par>
-                                <p:cTn id="5" presetID="2" presetClass="entr" presetSubtype="4" fill="hold" grpId="0" nodeType="clickEffect">
-                                  <p:stCondLst>
-                                    <p:cond delay="0"/>
-                                  </p:stCondLst>
-                                  <p:childTnLst>
-                                    <p:set>
-                                      <p:cBhvr>
-                                        <p:cTn id="6" dur="1" fill="hold">
-                                          <p:stCondLst>
-                                            <p:cond delay="0"/>
-                                          </p:stCondLst>
-                                        </p:cTn>
-                                        <p:tgtEl>
-                                          <p:spTgt spid="3">
-                                            <p:txEl>
-                                              <p:pRg st="0" end="0"/>
-                                            </p:txEl>
-                                          </p:spTgt>
-                                        </p:tgtEl>
-                                        <p:attrNameLst>
-                                          <p:attrName>style.visibility</p:attrName>
-                                        </p:attrNameLst>
-                                      </p:cBhvr>
-                                      <p:to>
-                                        <p:strVal val="visible"/>
-                                      </p:to>
-                                    </p:set>
-                                    <p:anim calcmode="lin" valueType="num">
-                                      <p:cBhvr additive="base">
-                                        <p:cTn id="7" dur="500" fill="hold"/>
-                                        <p:tgtEl>
-                                          <p:spTgt spid="3">
-                                            <p:txEl>
-                                              <p:pRg st="0" end="0"/>
-                                            </p:txEl>
-                                          </p:spTgt>
-                                        </p:tgtEl>
-                                        <p:attrNameLst>
-                                          <p:attrName>ppt_x</p:attrName>
-                                        </p:attrNameLst>
-                                      </p:cBhvr>
-                                      <p:tavLst>
-                                        <p:tav tm="0">
-                                          <p:val>
-                                            <p:strVal val="#ppt_x"/>
-                                          </p:val>
-                                        </p:tav>
-                                        <p:tav tm="100000">
-                                          <p:val>
-                                            <p:strVal val="#ppt_x"/>
-                                          </p:val>
-                                        </p:tav>
-                                      </p:tavLst>
-                                    </p:anim>
-                                    <p:anim calcmode="lin" valueType="num">
-                                      <p:cBhvr additive="base">
-                                        <p:cTn id="8" dur="500" fill="hold"/>
-                                        <p:tgtEl>
-                                          <p:spTgt spid="3">
-                                            <p:txEl>
-                                              <p:pRg st="0" end="0"/>
-                                            </p:txEl>
-                                          </p:spTgt>
-                                        </p:tgtEl>
-                                        <p:attrNameLst>
-                                          <p:attrName>ppt_y</p:attrName>
-                                        </p:attrNameLst>
-                                      </p:cBhvr>
-                                      <p:tavLst>
-                                        <p:tav tm="0">
-                                          <p:val>
-                                            <p:strVal val="1+#ppt_h/2"/>
-                                          </p:val>
-                                        </p:tav>
-                                        <p:tav tm="100000">
-                                          <p:val>
-                                            <p:strVal val="#ppt_y"/>
-                                          </p:val>
-                                        </p:tav>
-                                      </p:tavLst>
-                                    </p:anim>
-                                  </p:childTnLst>
-                                </p:cTn>
-                              </p:par>
-                            </p:childTnLst>
-                          </p:cTn>
-                        </p:par>
-                      </p:childTnLst>
-                    </p:cTn>
-                  </p:par>
-                  <p:par>
-                    <p:cTn id="9" fill="hold">
-                      <p:stCondLst>
-                        <p:cond delay="indefinite"/>
-                      </p:stCondLst>
-                      <p:childTnLst>
-                        <p:par>
-                          <p:cTn id="10" fill="hold">
-                            <p:stCondLst>
-                              <p:cond delay="0"/>
-                            </p:stCondLst>
-                            <p:childTnLst>
-                              <p:par>
-                                <p:cTn id="11" presetID="2" presetClass="entr" presetSubtype="4" fill="hold" grpId="0" nodeType="clickEffect">
-                                  <p:stCondLst>
-                                    <p:cond delay="0"/>
-                                  </p:stCondLst>
-                                  <p:childTnLst>
-                                    <p:set>
-                                      <p:cBhvr>
-                                        <p:cTn id="12" dur="1" fill="hold">
-                                          <p:stCondLst>
-                                            <p:cond delay="0"/>
-                                          </p:stCondLst>
-                                        </p:cTn>
-                                        <p:tgtEl>
-                                          <p:spTgt spid="3">
-                                            <p:txEl>
-                                              <p:pRg st="1" end="1"/>
-                                            </p:txEl>
-                                          </p:spTgt>
-                                        </p:tgtEl>
-                                        <p:attrNameLst>
-                                          <p:attrName>style.visibility</p:attrName>
-                                        </p:attrNameLst>
-                                      </p:cBhvr>
-                                      <p:to>
-                                        <p:strVal val="visible"/>
-                                      </p:to>
-                                    </p:set>
-                                    <p:anim calcmode="lin" valueType="num">
-                                      <p:cBhvr additive="base">
-                                        <p:cTn id="13" dur="500" fill="hold"/>
-                                        <p:tgtEl>
-                                          <p:spTgt spid="3">
-                                            <p:txEl>
-                                              <p:pRg st="1" end="1"/>
-                                            </p:txEl>
-                                          </p:spTgt>
-                                        </p:tgtEl>
-                                        <p:attrNameLst>
-                                          <p:attrName>ppt_x</p:attrName>
-                                        </p:attrNameLst>
-                                      </p:cBhvr>
-                                      <p:tavLst>
-                                        <p:tav tm="0">
-                                          <p:val>
-                                            <p:strVal val="#ppt_x"/>
-                                          </p:val>
-                                        </p:tav>
-                                        <p:tav tm="100000">
-                                          <p:val>
-                                            <p:strVal val="#ppt_x"/>
-                                          </p:val>
-                                        </p:tav>
-                                      </p:tavLst>
-                                    </p:anim>
-                                    <p:anim calcmode="lin" valueType="num">
-                                      <p:cBhvr additive="base">
-                                        <p:cTn id="14" dur="500" fill="hold"/>
-                                        <p:tgtEl>
-                                          <p:spTgt spid="3">
-                                            <p:txEl>
-                                              <p:pRg st="1" end="1"/>
-                                            </p:txEl>
-                                          </p:spTgt>
-                                        </p:tgtEl>
-                                        <p:attrNameLst>
-                                          <p:attrName>ppt_y</p:attrName>
-                                        </p:attrNameLst>
-                                      </p:cBhvr>
-                                      <p:tavLst>
-                                        <p:tav tm="0">
-                                          <p:val>
-                                            <p:strVal val="1+#ppt_h/2"/>
-                                          </p:val>
-                                        </p:tav>
-                                        <p:tav tm="100000">
-                                          <p:val>
-                                            <p:strVal val="#ppt_y"/>
-                                          </p:val>
-                                        </p:tav>
-                                      </p:tavLst>
-                                    </p:anim>
-                                  </p:childTnLst>
-                                </p:cTn>
-                              </p:par>
-                            </p:childTnLst>
-                          </p:cTn>
-                        </p:par>
-                      </p:childTnLst>
-                    </p:cTn>
-                  </p:par>
-                  <p:par>
-                    <p:cTn id="15" fill="hold">
-                      <p:stCondLst>
-                        <p:cond delay="indefinite"/>
-                      </p:stCondLst>
-                      <p:childTnLst>
-                        <p:par>
-                          <p:cTn id="16" fill="hold">
-                            <p:stCondLst>
-                              <p:cond delay="0"/>
-                            </p:stCondLst>
-                            <p:childTnLst>
-                              <p:par>
-                                <p:cTn id="17" presetID="2" presetClass="entr" presetSubtype="4" fill="hold" grpId="0" nodeType="clickEffect">
-                                  <p:stCondLst>
-                                    <p:cond delay="0"/>
-                                  </p:stCondLst>
-                                  <p:childTnLst>
-                                    <p:set>
-                                      <p:cBhvr>
-                                        <p:cTn id="18" dur="1" fill="hold">
-                                          <p:stCondLst>
-                                            <p:cond delay="0"/>
-                                          </p:stCondLst>
-                                        </p:cTn>
-                                        <p:tgtEl>
-                                          <p:spTgt spid="3">
-                                            <p:txEl>
-                                              <p:pRg st="2" end="2"/>
-                                            </p:txEl>
-                                          </p:spTgt>
-                                        </p:tgtEl>
-                                        <p:attrNameLst>
-                                          <p:attrName>style.visibility</p:attrName>
-                                        </p:attrNameLst>
-                                      </p:cBhvr>
-                                      <p:to>
-                                        <p:strVal val="visible"/>
-                                      </p:to>
-                                    </p:set>
-                                    <p:anim calcmode="lin" valueType="num">
-                                      <p:cBhvr additive="base">
-                                        <p:cTn id="19" dur="500" fill="hold"/>
-                                        <p:tgtEl>
-                                          <p:spTgt spid="3">
-                                            <p:txEl>
-                                              <p:pRg st="2" end="2"/>
-                                            </p:txEl>
-                                          </p:spTgt>
-                                        </p:tgtEl>
-                                        <p:attrNameLst>
-                                          <p:attrName>ppt_x</p:attrName>
-                                        </p:attrNameLst>
-                                      </p:cBhvr>
-                                      <p:tavLst>
-                                        <p:tav tm="0">
-                                          <p:val>
-                                            <p:strVal val="#ppt_x"/>
-                                          </p:val>
-                                        </p:tav>
-                                        <p:tav tm="100000">
-                                          <p:val>
-                                            <p:strVal val="#ppt_x"/>
-                                          </p:val>
-                                        </p:tav>
-                                      </p:tavLst>
-                                    </p:anim>
-                                    <p:anim calcmode="lin" valueType="num">
-                                      <p:cBhvr additive="base">
-                                        <p:cTn id="20" dur="500" fill="hold"/>
-                                        <p:tgtEl>
-                                          <p:spTgt spid="3">
-                                            <p:txEl>
-                                              <p:pRg st="2" end="2"/>
-                                            </p:txEl>
-                                          </p:spTgt>
-                                        </p:tgtEl>
-                                        <p:attrNameLst>
-                                          <p:attrName>ppt_y</p:attrName>
-                                        </p:attrNameLst>
-                                      </p:cBhvr>
-                                      <p:tavLst>
-                                        <p:tav tm="0">
-                                          <p:val>
-                                            <p:strVal val="1+#ppt_h/2"/>
-                                          </p:val>
-                                        </p:tav>
-                                        <p:tav tm="100000">
-                                          <p:val>
-                                            <p:strVal val="#ppt_y"/>
-                                          </p:val>
-                                        </p:tav>
-                                      </p:tavLst>
-                                    </p:anim>
-                                  </p:childTnLst>
-                                </p:cTn>
-                              </p:par>
-                            </p:childTnLst>
-                          </p:cTn>
-                        </p:par>
-                      </p:childTnLst>
-                    </p:cTn>
-                  </p:par>
-                  <p:par>
-                    <p:cTn id="21" fill="hold">
-                      <p:stCondLst>
-                        <p:cond delay="indefinite"/>
-                      </p:stCondLst>
-                      <p:childTnLst>
-                        <p:par>
-                          <p:cTn id="22" fill="hold">
-                            <p:stCondLst>
-                              <p:cond delay="0"/>
-                            </p:stCondLst>
-                            <p:childTnLst>
-                              <p:par>
-                                <p:cTn id="23" presetID="2" presetClass="entr" presetSubtype="4" fill="hold" grpId="0" nodeType="clickEffect">
-                                  <p:stCondLst>
-                                    <p:cond delay="0"/>
-                                  </p:stCondLst>
-                                  <p:childTnLst>
-                                    <p:set>
-                                      <p:cBhvr>
-                                        <p:cTn id="24" dur="1" fill="hold">
-                                          <p:stCondLst>
-                                            <p:cond delay="0"/>
-                                          </p:stCondLst>
-                                        </p:cTn>
-                                        <p:tgtEl>
-                                          <p:spTgt spid="3">
-                                            <p:txEl>
-                                              <p:pRg st="3" end="3"/>
-                                            </p:txEl>
-                                          </p:spTgt>
-                                        </p:tgtEl>
-                                        <p:attrNameLst>
-                                          <p:attrName>style.visibility</p:attrName>
-                                        </p:attrNameLst>
-                                      </p:cBhvr>
-                                      <p:to>
-                                        <p:strVal val="visible"/>
-                                      </p:to>
-                                    </p:set>
-                                    <p:anim calcmode="lin" valueType="num">
-                                      <p:cBhvr additive="base">
-                                        <p:cTn id="25" dur="500" fill="hold"/>
-                                        <p:tgtEl>
-                                          <p:spTgt spid="3">
-                                            <p:txEl>
-                                              <p:pRg st="3" end="3"/>
-                                            </p:txEl>
-                                          </p:spTgt>
-                                        </p:tgtEl>
-                                        <p:attrNameLst>
-                                          <p:attrName>ppt_x</p:attrName>
-                                        </p:attrNameLst>
-                                      </p:cBhvr>
-                                      <p:tavLst>
-                                        <p:tav tm="0">
-                                          <p:val>
-                                            <p:strVal val="#ppt_x"/>
-                                          </p:val>
-                                        </p:tav>
-                                        <p:tav tm="100000">
-                                          <p:val>
-                                            <p:strVal val="#ppt_x"/>
-                                          </p:val>
-                                        </p:tav>
-                                      </p:tavLst>
-                                    </p:anim>
-                                    <p:anim calcmode="lin" valueType="num">
-                                      <p:cBhvr additive="base">
-                                        <p:cTn id="26" dur="500" fill="hold"/>
-                                        <p:tgtEl>
-                                          <p:spTgt spid="3">
-                                            <p:txEl>
-                                              <p:pRg st="3" end="3"/>
-                                            </p:txEl>
-                                          </p:spTgt>
-                                        </p:tgtEl>
-                                        <p:attrNameLst>
-                                          <p:attrName>ppt_y</p:attrName>
-                                        </p:attrNameLst>
-                                      </p:cBhvr>
-                                      <p:tavLst>
-                                        <p:tav tm="0">
-                                          <p:val>
-                                            <p:strVal val="1+#ppt_h/2"/>
-                                          </p:val>
-                                        </p:tav>
-                                        <p:tav tm="100000">
-                                          <p:val>
-                                            <p:strVal val="#ppt_y"/>
-                                          </p:val>
-                                        </p:tav>
-                                      </p:tavLst>
-                                    </p:anim>
-                                  </p:childTnLst>
-                                </p:cTn>
-                              </p:par>
-                            </p:childTnLst>
-                          </p:cTn>
-                        </p:par>
-                      </p:childTnLst>
-                    </p:cTn>
-                  </p:par>
-                  <p:par>
-                    <p:cTn id="27" fill="hold">
-                      <p:stCondLst>
-                        <p:cond delay="indefinite"/>
-                      </p:stCondLst>
-                      <p:childTnLst>
-                        <p:par>
-                          <p:cTn id="28" fill="hold">
-                            <p:stCondLst>
-                              <p:cond delay="0"/>
-                            </p:stCondLst>
-                            <p:childTnLst>
-                              <p:par>
-                                <p:cTn id="29" presetID="2" presetClass="entr" presetSubtype="4" fill="hold" grpId="0" nodeType="clickEffect">
-                                  <p:stCondLst>
-                                    <p:cond delay="0"/>
-                                  </p:stCondLst>
-                                  <p:childTnLst>
-                                    <p:set>
-                                      <p:cBhvr>
-                                        <p:cTn id="30" dur="1" fill="hold">
-                                          <p:stCondLst>
-                                            <p:cond delay="0"/>
-                                          </p:stCondLst>
-                                        </p:cTn>
-                                        <p:tgtEl>
-                                          <p:spTgt spid="3">
-                                            <p:txEl>
-                                              <p:pRg st="4" end="4"/>
-                                            </p:txEl>
-                                          </p:spTgt>
-                                        </p:tgtEl>
-                                        <p:attrNameLst>
-                                          <p:attrName>style.visibility</p:attrName>
-                                        </p:attrNameLst>
-                                      </p:cBhvr>
-                                      <p:to>
-                                        <p:strVal val="visible"/>
-                                      </p:to>
-                                    </p:set>
-                                    <p:anim calcmode="lin" valueType="num">
-                                      <p:cBhvr additive="base">
-                                        <p:cTn id="31" dur="500" fill="hold"/>
-                                        <p:tgtEl>
-                                          <p:spTgt spid="3">
-                                            <p:txEl>
-                                              <p:pRg st="4" end="4"/>
-                                            </p:txEl>
-                                          </p:spTgt>
-                                        </p:tgtEl>
-                                        <p:attrNameLst>
-                                          <p:attrName>ppt_x</p:attrName>
-                                        </p:attrNameLst>
-                                      </p:cBhvr>
-                                      <p:tavLst>
-                                        <p:tav tm="0">
-                                          <p:val>
-                                            <p:strVal val="#ppt_x"/>
-                                          </p:val>
-                                        </p:tav>
-                                        <p:tav tm="100000">
-                                          <p:val>
-                                            <p:strVal val="#ppt_x"/>
-                                          </p:val>
-                                        </p:tav>
-                                      </p:tavLst>
-                                    </p:anim>
-                                    <p:anim calcmode="lin" valueType="num">
-                                      <p:cBhvr additive="base">
-                                        <p:cTn id="32" dur="500" fill="hold"/>
-                                        <p:tgtEl>
-                                          <p:spTgt spid="3">
-                                            <p:txEl>
-                                              <p:pRg st="4" end="4"/>
-                                            </p:txEl>
-                                          </p:spTgt>
-                                        </p:tgtEl>
-                                        <p:attrNameLst>
-                                          <p:attrName>ppt_y</p:attrName>
-                                        </p:attrNameLst>
-                                      </p:cBhvr>
-                                      <p:tavLst>
-                                        <p:tav tm="0">
-                                          <p:val>
-                                            <p:strVal val="1+#ppt_h/2"/>
-                                          </p:val>
-                                        </p:tav>
-                                        <p:tav tm="100000">
-                                          <p:val>
-                                            <p:strVal val="#ppt_y"/>
-                                          </p:val>
-                                        </p:tav>
-                                      </p:tavLst>
-                                    </p:anim>
-                                  </p:childTnLst>
-                                </p:cTn>
-                              </p:par>
-                            </p:childTnLst>
-                          </p:cTn>
-                        </p:par>
-                      </p:childTnLst>
-                    </p:cTn>
-                  </p:par>
-                  <p:par>
-                    <p:cTn id="33" fill="hold">
-                      <p:stCondLst>
-                        <p:cond delay="indefinite"/>
-                      </p:stCondLst>
-                      <p:childTnLst>
-                        <p:par>
-                          <p:cTn id="34" fill="hold">
-                            <p:stCondLst>
-                              <p:cond delay="0"/>
-                            </p:stCondLst>
-                            <p:childTnLst>
-                              <p:par>
-                                <p:cTn id="35" presetID="2" presetClass="entr" presetSubtype="4" fill="hold" grpId="0" nodeType="clickEffect">
-                                  <p:stCondLst>
-                                    <p:cond delay="0"/>
-                                  </p:stCondLst>
-                                  <p:childTnLst>
-                                    <p:set>
-                                      <p:cBhvr>
-                                        <p:cTn id="36" dur="1" fill="hold">
-                                          <p:stCondLst>
-                                            <p:cond delay="0"/>
-                                          </p:stCondLst>
-                                        </p:cTn>
-                                        <p:tgtEl>
-                                          <p:spTgt spid="3">
-                                            <p:txEl>
-                                              <p:pRg st="5" end="5"/>
-                                            </p:txEl>
-                                          </p:spTgt>
-                                        </p:tgtEl>
-                                        <p:attrNameLst>
-                                          <p:attrName>style.visibility</p:attrName>
-                                        </p:attrNameLst>
-                                      </p:cBhvr>
-                                      <p:to>
-                                        <p:strVal val="visible"/>
-                                      </p:to>
-                                    </p:set>
-                                    <p:anim calcmode="lin" valueType="num">
-                                      <p:cBhvr additive="base">
-                                        <p:cTn id="37" dur="500" fill="hold"/>
-                                        <p:tgtEl>
-                                          <p:spTgt spid="3">
-                                            <p:txEl>
-                                              <p:pRg st="5" end="5"/>
-                                            </p:txEl>
-                                          </p:spTgt>
-                                        </p:tgtEl>
-                                        <p:attrNameLst>
-                                          <p:attrName>ppt_x</p:attrName>
-                                        </p:attrNameLst>
-                                      </p:cBhvr>
-                                      <p:tavLst>
-                                        <p:tav tm="0">
-                                          <p:val>
-                                            <p:strVal val="#ppt_x"/>
-                                          </p:val>
-                                        </p:tav>
-                                        <p:tav tm="100000">
-                                          <p:val>
-                                            <p:strVal val="#ppt_x"/>
-                                          </p:val>
-                                        </p:tav>
-                                      </p:tavLst>
-                                    </p:anim>
-                                    <p:anim calcmode="lin" valueType="num">
-                                      <p:cBhvr additive="base">
-                                        <p:cTn id="38" dur="500" fill="hold"/>
-                                        <p:tgtEl>
-                                          <p:spTgt spid="3">
-                                            <p:txEl>
-                                              <p:pRg st="5" end="5"/>
-                                            </p:txEl>
-                                          </p:spTgt>
-                                        </p:tgtEl>
-                                        <p:attrNameLst>
-                                          <p:attrName>ppt_y</p:attrName>
-                                        </p:attrNameLst>
-                                      </p:cBhvr>
-                                      <p:tavLst>
-                                        <p:tav tm="0">
-                                          <p:val>
-                                            <p:strVal val="1+#ppt_h/2"/>
-                                          </p:val>
-                                        </p:tav>
-                                        <p:tav tm="100000">
-                                          <p:val>
-                                            <p:strVal val="#ppt_y"/>
-                                          </p:val>
-                                        </p:tav>
-                                      </p:tavLst>
-                                    </p:anim>
-                                  </p:childTnLst>
-                                </p:cTn>
-                              </p:par>
-                            </p:childTnLst>
-                          </p:cTn>
-                        </p:par>
-                      </p:childTnLst>
-                    </p:cTn>
-                  </p:par>
-                </p:childTnLst>
-              </p:cTn>
-              <p:prevCondLst>
-                <p:cond evt="onPrev" delay="0">
-                  <p:tgtEl>
-                    <p:sldTgt/>
-                  </p:tgtEl>
-                </p:cond>
-              </p:prevCondLst>
-              <p:nextCondLst>
-                <p:cond evt="onNext" delay="0">
-                  <p:tgtEl>
-                    <p:sldTgt/>
-                  </p:tgtEl>
-                </p:cond>
-              </p:nextCondLst>
-            </p:seq>
-          </p:childTnLst>
-        </p:cTn>
-      </p:par>
-    </p:tnLst>
-    <p:bldLst>
-      <p:bldP spid="3" grpId="0" build="p"/>
-    </p:bldLst>
-  </p:timing>
-</p:sld>
-</file>
-
-<file path=ppt/slides/slide23.xml><?xml version="1.0" encoding="utf-8"?>
-<p:sld xmlns:a="http://schemas.openxmlformats.org/drawingml/2006/main" xmlns:r="http://schemas.openxmlformats.org/officeDocument/2006/relationships" xmlns:p="http://schemas.openxmlformats.org/presentationml/2006/main">
-  <p:cSld>
-    <p:spTree>
-      <p:nvGrpSpPr>
-        <p:cNvPr id="1" name=""/>
-        <p:cNvGrpSpPr/>
-        <p:nvPr/>
-      </p:nvGrpSpPr>
-      <p:grpSpPr>
-        <a:xfrm>
-          <a:off x="0" y="0"/>
-          <a:ext cx="0" cy="0"/>
-          <a:chOff x="0" y="0"/>
-          <a:chExt cx="0" cy="0"/>
-        </a:xfrm>
-      </p:grpSpPr>
-      <p:sp>
-        <p:nvSpPr>
-          <p:cNvPr id="2" name="Title 1"/>
-          <p:cNvSpPr>
-            <a:spLocks noGrp="1"/>
-          </p:cNvSpPr>
-          <p:nvPr>
-            <p:ph type="title"/>
-          </p:nvPr>
-        </p:nvSpPr>
-        <p:spPr/>
-        <p:txBody>
-          <a:bodyPr/>
-          <a:lstStyle/>
-          <a:p>
-            <a:r>
-              <a:rPr lang="en-US" b="1" dirty="0"/>
-              <a:t>DML commands</a:t>
-            </a:r>
-            <a:endParaRPr lang="en-US" dirty="0"/>
-          </a:p>
-        </p:txBody>
-      </p:sp>
-      <p:sp>
-        <p:nvSpPr>
-          <p:cNvPr id="3" name="Content Placeholder 2"/>
-          <p:cNvSpPr>
-            <a:spLocks noGrp="1"/>
-          </p:cNvSpPr>
-          <p:nvPr>
-            <p:ph idx="1"/>
-          </p:nvPr>
-        </p:nvSpPr>
-        <p:spPr/>
-        <p:txBody>
-          <a:bodyPr/>
-          <a:lstStyle/>
-          <a:p>
-            <a:pPr marL="0" indent="0">
-              <a:buNone/>
-            </a:pPr>
-            <a:r>
-              <a:rPr lang="en-US" dirty="0"/>
-              <a:t>DML refers to Data Manipulation Language, it is used for managing data present in the database. Some of the DML commands are-</a:t>
-            </a:r>
-          </a:p>
-          <a:p>
-            <a:r>
-              <a:rPr lang="en-US" dirty="0"/>
-              <a:t>SELECT </a:t>
-            </a:r>
-          </a:p>
-          <a:p>
-            <a:r>
-              <a:rPr lang="en-US" dirty="0"/>
-              <a:t>INSERT </a:t>
-            </a:r>
-          </a:p>
-          <a:p>
-            <a:r>
-              <a:rPr lang="en-US" dirty="0"/>
-              <a:t>UPDATE </a:t>
-            </a:r>
-          </a:p>
-          <a:p>
-            <a:r>
-              <a:rPr lang="en-US" dirty="0"/>
-              <a:t>DELETE</a:t>
-            </a:r>
-          </a:p>
-        </p:txBody>
-      </p:sp>
-      <p:sp>
-        <p:nvSpPr>
-          <p:cNvPr id="4" name="Slide Number Placeholder 3">
-            <a:extLst>
-              <a:ext uri="{FF2B5EF4-FFF2-40B4-BE49-F238E27FC236}">
-                <a16:creationId xmlns:a16="http://schemas.microsoft.com/office/drawing/2014/main" id="{6F6D3F4E-EFC2-4469-B0C8-AA138DFA6C9D}"/>
-              </a:ext>
-            </a:extLst>
-          </p:cNvPr>
-          <p:cNvSpPr>
-            <a:spLocks noGrp="1"/>
-          </p:cNvSpPr>
-          <p:nvPr>
-            <p:ph type="sldNum" sz="quarter" idx="12"/>
-          </p:nvPr>
-        </p:nvSpPr>
-        <p:spPr/>
-        <p:txBody>
-          <a:bodyPr/>
-          <a:lstStyle/>
-          <a:p>
-            <a:fld id="{3D6DCF8A-2D98-4531-B944-09079F76F2E1}" type="slidenum">
-              <a:rPr lang="en-US" smtClean="0"/>
-              <a:pPr/>
-              <a:t>23</a:t>
-            </a:fld>
-            <a:endParaRPr lang="en-US"/>
-          </a:p>
-        </p:txBody>
-      </p:sp>
-    </p:spTree>
-    <p:extLst>
-      <p:ext uri="{BB962C8B-B14F-4D97-AF65-F5344CB8AC3E}">
-        <p14:creationId xmlns:p14="http://schemas.microsoft.com/office/powerpoint/2010/main" val="437641078"/>
-      </p:ext>
-    </p:extLst>
-  </p:cSld>
-  <p:clrMapOvr>
-    <a:masterClrMapping/>
-  </p:clrMapOvr>
-  <p:timing>
-    <p:tnLst>
-      <p:par>
-        <p:cTn id="1" dur="indefinite" restart="never" nodeType="tmRoot">
-          <p:childTnLst>
-            <p:seq concurrent="1" nextAc="seek">
-              <p:cTn id="2" dur="indefinite" nodeType="mainSeq">
-                <p:childTnLst>
-                  <p:par>
-                    <p:cTn id="3" fill="hold">
-                      <p:stCondLst>
-                        <p:cond delay="indefinite"/>
-                      </p:stCondLst>
-                      <p:childTnLst>
-                        <p:par>
-                          <p:cTn id="4" fill="hold">
-                            <p:stCondLst>
-                              <p:cond delay="0"/>
-                            </p:stCondLst>
-                            <p:childTnLst>
-                              <p:par>
-                                <p:cTn id="5" presetID="2" presetClass="entr" presetSubtype="4" fill="hold" grpId="0" nodeType="clickEffect">
-                                  <p:stCondLst>
-                                    <p:cond delay="0"/>
-                                  </p:stCondLst>
-                                  <p:childTnLst>
-                                    <p:set>
-                                      <p:cBhvr>
-                                        <p:cTn id="6" dur="1" fill="hold">
-                                          <p:stCondLst>
-                                            <p:cond delay="0"/>
-                                          </p:stCondLst>
-                                        </p:cTn>
-                                        <p:tgtEl>
-                                          <p:spTgt spid="3">
-                                            <p:txEl>
-                                              <p:pRg st="0" end="0"/>
-                                            </p:txEl>
-                                          </p:spTgt>
-                                        </p:tgtEl>
-                                        <p:attrNameLst>
-                                          <p:attrName>style.visibility</p:attrName>
-                                        </p:attrNameLst>
-                                      </p:cBhvr>
-                                      <p:to>
-                                        <p:strVal val="visible"/>
-                                      </p:to>
-                                    </p:set>
-                                    <p:anim calcmode="lin" valueType="num">
-                                      <p:cBhvr additive="base">
-                                        <p:cTn id="7" dur="500" fill="hold"/>
-                                        <p:tgtEl>
-                                          <p:spTgt spid="3">
-                                            <p:txEl>
-                                              <p:pRg st="0" end="0"/>
-                                            </p:txEl>
-                                          </p:spTgt>
-                                        </p:tgtEl>
-                                        <p:attrNameLst>
-                                          <p:attrName>ppt_x</p:attrName>
-                                        </p:attrNameLst>
-                                      </p:cBhvr>
-                                      <p:tavLst>
-                                        <p:tav tm="0">
-                                          <p:val>
-                                            <p:strVal val="#ppt_x"/>
-                                          </p:val>
-                                        </p:tav>
-                                        <p:tav tm="100000">
-                                          <p:val>
-                                            <p:strVal val="#ppt_x"/>
-                                          </p:val>
-                                        </p:tav>
-                                      </p:tavLst>
-                                    </p:anim>
-                                    <p:anim calcmode="lin" valueType="num">
-                                      <p:cBhvr additive="base">
-                                        <p:cTn id="8" dur="500" fill="hold"/>
-                                        <p:tgtEl>
-                                          <p:spTgt spid="3">
-                                            <p:txEl>
-                                              <p:pRg st="0" end="0"/>
-                                            </p:txEl>
-                                          </p:spTgt>
-                                        </p:tgtEl>
-                                        <p:attrNameLst>
-                                          <p:attrName>ppt_y</p:attrName>
-                                        </p:attrNameLst>
-                                      </p:cBhvr>
-                                      <p:tavLst>
-                                        <p:tav tm="0">
-                                          <p:val>
-                                            <p:strVal val="1+#ppt_h/2"/>
-                                          </p:val>
-                                        </p:tav>
-                                        <p:tav tm="100000">
-                                          <p:val>
-                                            <p:strVal val="#ppt_y"/>
-                                          </p:val>
-                                        </p:tav>
-                                      </p:tavLst>
-                                    </p:anim>
-                                  </p:childTnLst>
-                                </p:cTn>
-                              </p:par>
-                            </p:childTnLst>
-                          </p:cTn>
-                        </p:par>
-                      </p:childTnLst>
-                    </p:cTn>
-                  </p:par>
-                  <p:par>
-                    <p:cTn id="9" fill="hold">
-                      <p:stCondLst>
-                        <p:cond delay="indefinite"/>
-                      </p:stCondLst>
-                      <p:childTnLst>
-                        <p:par>
-                          <p:cTn id="10" fill="hold">
-                            <p:stCondLst>
-                              <p:cond delay="0"/>
-                            </p:stCondLst>
-                            <p:childTnLst>
-                              <p:par>
-                                <p:cTn id="11" presetID="2" presetClass="entr" presetSubtype="4" fill="hold" grpId="0" nodeType="clickEffect">
-                                  <p:stCondLst>
-                                    <p:cond delay="0"/>
-                                  </p:stCondLst>
-                                  <p:childTnLst>
-                                    <p:set>
-                                      <p:cBhvr>
-                                        <p:cTn id="12" dur="1" fill="hold">
-                                          <p:stCondLst>
-                                            <p:cond delay="0"/>
-                                          </p:stCondLst>
-                                        </p:cTn>
-                                        <p:tgtEl>
-                                          <p:spTgt spid="3">
-                                            <p:txEl>
-                                              <p:pRg st="1" end="1"/>
-                                            </p:txEl>
-                                          </p:spTgt>
-                                        </p:tgtEl>
-                                        <p:attrNameLst>
-                                          <p:attrName>style.visibility</p:attrName>
-                                        </p:attrNameLst>
-                                      </p:cBhvr>
-                                      <p:to>
-                                        <p:strVal val="visible"/>
-                                      </p:to>
-                                    </p:set>
-                                    <p:anim calcmode="lin" valueType="num">
-                                      <p:cBhvr additive="base">
-                                        <p:cTn id="13" dur="500" fill="hold"/>
-                                        <p:tgtEl>
-                                          <p:spTgt spid="3">
-                                            <p:txEl>
-                                              <p:pRg st="1" end="1"/>
-                                            </p:txEl>
-                                          </p:spTgt>
-                                        </p:tgtEl>
-                                        <p:attrNameLst>
-                                          <p:attrName>ppt_x</p:attrName>
-                                        </p:attrNameLst>
-                                      </p:cBhvr>
-                                      <p:tavLst>
-                                        <p:tav tm="0">
-                                          <p:val>
-                                            <p:strVal val="#ppt_x"/>
-                                          </p:val>
-                                        </p:tav>
-                                        <p:tav tm="100000">
-                                          <p:val>
-                                            <p:strVal val="#ppt_x"/>
-                                          </p:val>
-                                        </p:tav>
-                                      </p:tavLst>
-                                    </p:anim>
-                                    <p:anim calcmode="lin" valueType="num">
-                                      <p:cBhvr additive="base">
-                                        <p:cTn id="14" dur="500" fill="hold"/>
-                                        <p:tgtEl>
-                                          <p:spTgt spid="3">
-                                            <p:txEl>
-                                              <p:pRg st="1" end="1"/>
-                                            </p:txEl>
-                                          </p:spTgt>
-                                        </p:tgtEl>
-                                        <p:attrNameLst>
-                                          <p:attrName>ppt_y</p:attrName>
-                                        </p:attrNameLst>
-                                      </p:cBhvr>
-                                      <p:tavLst>
-                                        <p:tav tm="0">
-                                          <p:val>
-                                            <p:strVal val="1+#ppt_h/2"/>
-                                          </p:val>
-                                        </p:tav>
-                                        <p:tav tm="100000">
-                                          <p:val>
-                                            <p:strVal val="#ppt_y"/>
-                                          </p:val>
-                                        </p:tav>
-                                      </p:tavLst>
-                                    </p:anim>
-                                  </p:childTnLst>
-                                </p:cTn>
-                              </p:par>
-                            </p:childTnLst>
-                          </p:cTn>
-                        </p:par>
-                      </p:childTnLst>
-                    </p:cTn>
-                  </p:par>
-                  <p:par>
-                    <p:cTn id="15" fill="hold">
-                      <p:stCondLst>
-                        <p:cond delay="indefinite"/>
-                      </p:stCondLst>
-                      <p:childTnLst>
-                        <p:par>
-                          <p:cTn id="16" fill="hold">
-                            <p:stCondLst>
-                              <p:cond delay="0"/>
-                            </p:stCondLst>
-                            <p:childTnLst>
-                              <p:par>
-                                <p:cTn id="17" presetID="2" presetClass="entr" presetSubtype="4" fill="hold" grpId="0" nodeType="clickEffect">
-                                  <p:stCondLst>
-                                    <p:cond delay="0"/>
-                                  </p:stCondLst>
-                                  <p:childTnLst>
-                                    <p:set>
-                                      <p:cBhvr>
-                                        <p:cTn id="18" dur="1" fill="hold">
-                                          <p:stCondLst>
-                                            <p:cond delay="0"/>
-                                          </p:stCondLst>
-                                        </p:cTn>
-                                        <p:tgtEl>
-                                          <p:spTgt spid="3">
-                                            <p:txEl>
-                                              <p:pRg st="2" end="2"/>
-                                            </p:txEl>
-                                          </p:spTgt>
-                                        </p:tgtEl>
-                                        <p:attrNameLst>
-                                          <p:attrName>style.visibility</p:attrName>
-                                        </p:attrNameLst>
-                                      </p:cBhvr>
-                                      <p:to>
-                                        <p:strVal val="visible"/>
-                                      </p:to>
-                                    </p:set>
-                                    <p:anim calcmode="lin" valueType="num">
-                                      <p:cBhvr additive="base">
-                                        <p:cTn id="19" dur="500" fill="hold"/>
-                                        <p:tgtEl>
-                                          <p:spTgt spid="3">
-                                            <p:txEl>
-                                              <p:pRg st="2" end="2"/>
-                                            </p:txEl>
-                                          </p:spTgt>
-                                        </p:tgtEl>
-                                        <p:attrNameLst>
-                                          <p:attrName>ppt_x</p:attrName>
-                                        </p:attrNameLst>
-                                      </p:cBhvr>
-                                      <p:tavLst>
-                                        <p:tav tm="0">
-                                          <p:val>
-                                            <p:strVal val="#ppt_x"/>
-                                          </p:val>
-                                        </p:tav>
-                                        <p:tav tm="100000">
-                                          <p:val>
-                                            <p:strVal val="#ppt_x"/>
-                                          </p:val>
-                                        </p:tav>
-                                      </p:tavLst>
-                                    </p:anim>
-                                    <p:anim calcmode="lin" valueType="num">
-                                      <p:cBhvr additive="base">
-                                        <p:cTn id="20" dur="500" fill="hold"/>
-                                        <p:tgtEl>
-                                          <p:spTgt spid="3">
-                                            <p:txEl>
-                                              <p:pRg st="2" end="2"/>
-                                            </p:txEl>
-                                          </p:spTgt>
-                                        </p:tgtEl>
-                                        <p:attrNameLst>
-                                          <p:attrName>ppt_y</p:attrName>
-                                        </p:attrNameLst>
-                                      </p:cBhvr>
-                                      <p:tavLst>
-                                        <p:tav tm="0">
-                                          <p:val>
-                                            <p:strVal val="1+#ppt_h/2"/>
-                                          </p:val>
-                                        </p:tav>
-                                        <p:tav tm="100000">
-                                          <p:val>
-                                            <p:strVal val="#ppt_y"/>
-                                          </p:val>
-                                        </p:tav>
-                                      </p:tavLst>
-                                    </p:anim>
-                                  </p:childTnLst>
-                                </p:cTn>
-                              </p:par>
-                            </p:childTnLst>
-                          </p:cTn>
-                        </p:par>
-                      </p:childTnLst>
-                    </p:cTn>
-                  </p:par>
-                  <p:par>
-                    <p:cTn id="21" fill="hold">
-                      <p:stCondLst>
-                        <p:cond delay="indefinite"/>
-                      </p:stCondLst>
-                      <p:childTnLst>
-                        <p:par>
-                          <p:cTn id="22" fill="hold">
-                            <p:stCondLst>
-                              <p:cond delay="0"/>
-                            </p:stCondLst>
-                            <p:childTnLst>
-                              <p:par>
-                                <p:cTn id="23" presetID="2" presetClass="entr" presetSubtype="4" fill="hold" grpId="0" nodeType="clickEffect">
-                                  <p:stCondLst>
-                                    <p:cond delay="0"/>
-                                  </p:stCondLst>
-                                  <p:childTnLst>
-                                    <p:set>
-                                      <p:cBhvr>
-                                        <p:cTn id="24" dur="1" fill="hold">
-                                          <p:stCondLst>
-                                            <p:cond delay="0"/>
-                                          </p:stCondLst>
-                                        </p:cTn>
-                                        <p:tgtEl>
-                                          <p:spTgt spid="3">
-                                            <p:txEl>
-                                              <p:pRg st="3" end="3"/>
-                                            </p:txEl>
-                                          </p:spTgt>
-                                        </p:tgtEl>
-                                        <p:attrNameLst>
-                                          <p:attrName>style.visibility</p:attrName>
-                                        </p:attrNameLst>
-                                      </p:cBhvr>
-                                      <p:to>
-                                        <p:strVal val="visible"/>
-                                      </p:to>
-                                    </p:set>
-                                    <p:anim calcmode="lin" valueType="num">
-                                      <p:cBhvr additive="base">
-                                        <p:cTn id="25" dur="500" fill="hold"/>
-                                        <p:tgtEl>
-                                          <p:spTgt spid="3">
-                                            <p:txEl>
-                                              <p:pRg st="3" end="3"/>
-                                            </p:txEl>
-                                          </p:spTgt>
-                                        </p:tgtEl>
-                                        <p:attrNameLst>
-                                          <p:attrName>ppt_x</p:attrName>
-                                        </p:attrNameLst>
-                                      </p:cBhvr>
-                                      <p:tavLst>
-                                        <p:tav tm="0">
-                                          <p:val>
-                                            <p:strVal val="#ppt_x"/>
-                                          </p:val>
-                                        </p:tav>
-                                        <p:tav tm="100000">
-                                          <p:val>
-                                            <p:strVal val="#ppt_x"/>
-                                          </p:val>
-                                        </p:tav>
-                                      </p:tavLst>
-                                    </p:anim>
-                                    <p:anim calcmode="lin" valueType="num">
-                                      <p:cBhvr additive="base">
-                                        <p:cTn id="26" dur="500" fill="hold"/>
-                                        <p:tgtEl>
-                                          <p:spTgt spid="3">
-                                            <p:txEl>
-                                              <p:pRg st="3" end="3"/>
-                                            </p:txEl>
-                                          </p:spTgt>
-                                        </p:tgtEl>
-                                        <p:attrNameLst>
-                                          <p:attrName>ppt_y</p:attrName>
-                                        </p:attrNameLst>
-                                      </p:cBhvr>
-                                      <p:tavLst>
-                                        <p:tav tm="0">
-                                          <p:val>
-                                            <p:strVal val="1+#ppt_h/2"/>
-                                          </p:val>
-                                        </p:tav>
-                                        <p:tav tm="100000">
-                                          <p:val>
-                                            <p:strVal val="#ppt_y"/>
-                                          </p:val>
-                                        </p:tav>
-                                      </p:tavLst>
-                                    </p:anim>
-                                  </p:childTnLst>
-                                </p:cTn>
-                              </p:par>
-                            </p:childTnLst>
-                          </p:cTn>
-                        </p:par>
-                      </p:childTnLst>
-                    </p:cTn>
-                  </p:par>
-                  <p:par>
-                    <p:cTn id="27" fill="hold">
-                      <p:stCondLst>
-                        <p:cond delay="indefinite"/>
-                      </p:stCondLst>
-                      <p:childTnLst>
-                        <p:par>
-                          <p:cTn id="28" fill="hold">
-                            <p:stCondLst>
-                              <p:cond delay="0"/>
-                            </p:stCondLst>
-                            <p:childTnLst>
-                              <p:par>
-                                <p:cTn id="29" presetID="2" presetClass="entr" presetSubtype="4" fill="hold" grpId="0" nodeType="clickEffect">
-                                  <p:stCondLst>
-                                    <p:cond delay="0"/>
-                                  </p:stCondLst>
-                                  <p:childTnLst>
-                                    <p:set>
-                                      <p:cBhvr>
-                                        <p:cTn id="30" dur="1" fill="hold">
-                                          <p:stCondLst>
-                                            <p:cond delay="0"/>
-                                          </p:stCondLst>
-                                        </p:cTn>
-                                        <p:tgtEl>
-                                          <p:spTgt spid="3">
-                                            <p:txEl>
-                                              <p:pRg st="4" end="4"/>
-                                            </p:txEl>
-                                          </p:spTgt>
-                                        </p:tgtEl>
-                                        <p:attrNameLst>
-                                          <p:attrName>style.visibility</p:attrName>
-                                        </p:attrNameLst>
-                                      </p:cBhvr>
-                                      <p:to>
-                                        <p:strVal val="visible"/>
-                                      </p:to>
-                                    </p:set>
-                                    <p:anim calcmode="lin" valueType="num">
-                                      <p:cBhvr additive="base">
-                                        <p:cTn id="31" dur="500" fill="hold"/>
-                                        <p:tgtEl>
-                                          <p:spTgt spid="3">
-                                            <p:txEl>
-                                              <p:pRg st="4" end="4"/>
-                                            </p:txEl>
-                                          </p:spTgt>
-                                        </p:tgtEl>
-                                        <p:attrNameLst>
-                                          <p:attrName>ppt_x</p:attrName>
-                                        </p:attrNameLst>
-                                      </p:cBhvr>
-                                      <p:tavLst>
-                                        <p:tav tm="0">
-                                          <p:val>
-                                            <p:strVal val="#ppt_x"/>
-                                          </p:val>
-                                        </p:tav>
-                                        <p:tav tm="100000">
-                                          <p:val>
-                                            <p:strVal val="#ppt_x"/>
-                                          </p:val>
-                                        </p:tav>
-                                      </p:tavLst>
-                                    </p:anim>
-                                    <p:anim calcmode="lin" valueType="num">
-                                      <p:cBhvr additive="base">
-                                        <p:cTn id="32" dur="500" fill="hold"/>
-                                        <p:tgtEl>
-                                          <p:spTgt spid="3">
-                                            <p:txEl>
-                                              <p:pRg st="4" end="4"/>
-                                            </p:txEl>
-                                          </p:spTgt>
-                                        </p:tgtEl>
-                                        <p:attrNameLst>
-                                          <p:attrName>ppt_y</p:attrName>
-                                        </p:attrNameLst>
-                                      </p:cBhvr>
-                                      <p:tavLst>
-                                        <p:tav tm="0">
-                                          <p:val>
-                                            <p:strVal val="1+#ppt_h/2"/>
-                                          </p:val>
-                                        </p:tav>
-                                        <p:tav tm="100000">
-                                          <p:val>
-                                            <p:strVal val="#ppt_y"/>
-                                          </p:val>
-                                        </p:tav>
-                                      </p:tavLst>
-                                    </p:anim>
-                                  </p:childTnLst>
-                                </p:cTn>
-                              </p:par>
-                            </p:childTnLst>
-                          </p:cTn>
-                        </p:par>
-                      </p:childTnLst>
-                    </p:cTn>
-                  </p:par>
-                </p:childTnLst>
-              </p:cTn>
-              <p:prevCondLst>
-                <p:cond evt="onPrev" delay="0">
-                  <p:tgtEl>
-                    <p:sldTgt/>
-                  </p:tgtEl>
-                </p:cond>
-              </p:prevCondLst>
-              <p:nextCondLst>
-                <p:cond evt="onNext" delay="0">
-                  <p:tgtEl>
-                    <p:sldTgt/>
-                  </p:tgtEl>
-                </p:cond>
-              </p:nextCondLst>
-            </p:seq>
-          </p:childTnLst>
-        </p:cTn>
-      </p:par>
-    </p:tnLst>
-    <p:bldLst>
-      <p:bldP spid="3" grpId="0" build="p"/>
-    </p:bldLst>
-  </p:timing>
-</p:sld>
-</file>
-
-<file path=ppt/slides/slide24.xml><?xml version="1.0" encoding="utf-8"?>
-<p:sld xmlns:a="http://schemas.openxmlformats.org/drawingml/2006/main" xmlns:r="http://schemas.openxmlformats.org/officeDocument/2006/relationships" xmlns:p="http://schemas.openxmlformats.org/presentationml/2006/main">
-  <p:cSld>
-    <p:spTree>
-      <p:nvGrpSpPr>
-        <p:cNvPr id="1" name=""/>
-        <p:cNvGrpSpPr/>
-        <p:nvPr/>
-      </p:nvGrpSpPr>
-      <p:grpSpPr>
-        <a:xfrm>
-          <a:off x="0" y="0"/>
-          <a:ext cx="0" cy="0"/>
-          <a:chOff x="0" y="0"/>
-          <a:chExt cx="0" cy="0"/>
-        </a:xfrm>
-      </p:grpSpPr>
-      <p:sp>
-        <p:nvSpPr>
-          <p:cNvPr id="2" name="Title 1"/>
-          <p:cNvSpPr>
-            <a:spLocks noGrp="1"/>
-          </p:cNvSpPr>
-          <p:nvPr>
-            <p:ph type="title"/>
-          </p:nvPr>
-        </p:nvSpPr>
-        <p:spPr/>
-        <p:txBody>
-          <a:bodyPr/>
-          <a:lstStyle/>
-          <a:p>
-            <a:r>
-              <a:rPr lang="en-US" b="1" dirty="0"/>
-              <a:t>DCL commands</a:t>
-            </a:r>
-            <a:endParaRPr lang="en-US" dirty="0"/>
-          </a:p>
-        </p:txBody>
-      </p:sp>
-      <p:sp>
-        <p:nvSpPr>
-          <p:cNvPr id="3" name="Content Placeholder 2"/>
-          <p:cNvSpPr>
-            <a:spLocks noGrp="1"/>
-          </p:cNvSpPr>
-          <p:nvPr>
-            <p:ph idx="1"/>
-          </p:nvPr>
-        </p:nvSpPr>
-        <p:spPr/>
-        <p:txBody>
-          <a:bodyPr>
-            <a:normAutofit fontScale="92500" lnSpcReduction="20000"/>
-          </a:bodyPr>
-          <a:lstStyle/>
-          <a:p>
-            <a:pPr marL="0" indent="0">
-              <a:buNone/>
-            </a:pPr>
-            <a:r>
-              <a:rPr lang="en-US" dirty="0"/>
-              <a:t>DCL refers to Data Control Language, these commands are used to create roles, grant permission and control access to the database objects. The three DCL commands are-</a:t>
-            </a:r>
-          </a:p>
-          <a:p>
-            <a:pPr marL="0" indent="0">
-              <a:buNone/>
-            </a:pPr>
-            <a:endParaRPr lang="en-US" dirty="0"/>
-          </a:p>
-          <a:p>
-            <a:r>
-              <a:rPr lang="en-US" sz="3000" dirty="0"/>
-              <a:t>GRANT - Grants permission to a database user</a:t>
-            </a:r>
-          </a:p>
-          <a:p>
-            <a:r>
-              <a:rPr lang="en-US" sz="3000" dirty="0"/>
-              <a:t>REVOKE - Removes access privileges from a user provided with the GRANT command</a:t>
-            </a:r>
-          </a:p>
-          <a:p>
-            <a:r>
-              <a:rPr lang="en-US" sz="3000" dirty="0"/>
-              <a:t>DENY - Explicitly prevents a user from receiving a particular permission(e.g. preventing a particular user belonging to a group to receive the access controls</a:t>
-            </a:r>
-          </a:p>
-          <a:p>
-            <a:pPr marL="0" indent="0">
-              <a:buNone/>
-            </a:pPr>
-            <a:endParaRPr lang="en-US" dirty="0"/>
-          </a:p>
-        </p:txBody>
-      </p:sp>
-      <p:sp>
-        <p:nvSpPr>
-          <p:cNvPr id="4" name="Slide Number Placeholder 3">
-            <a:extLst>
-              <a:ext uri="{FF2B5EF4-FFF2-40B4-BE49-F238E27FC236}">
-                <a16:creationId xmlns:a16="http://schemas.microsoft.com/office/drawing/2014/main" id="{4B6FBD84-5FB1-44FF-BF5A-DEE39CDDDD25}"/>
-              </a:ext>
-            </a:extLst>
-          </p:cNvPr>
-          <p:cNvSpPr>
-            <a:spLocks noGrp="1"/>
-          </p:cNvSpPr>
-          <p:nvPr>
-            <p:ph type="sldNum" sz="quarter" idx="12"/>
-          </p:nvPr>
-        </p:nvSpPr>
-        <p:spPr/>
-        <p:txBody>
-          <a:bodyPr/>
-          <a:lstStyle/>
-          <a:p>
-            <a:fld id="{3D6DCF8A-2D98-4531-B944-09079F76F2E1}" type="slidenum">
-              <a:rPr lang="en-US" smtClean="0"/>
-              <a:pPr/>
-              <a:t>24</a:t>
-            </a:fld>
-            <a:endParaRPr lang="en-US"/>
-          </a:p>
-        </p:txBody>
-      </p:sp>
-    </p:spTree>
-    <p:extLst>
-      <p:ext uri="{BB962C8B-B14F-4D97-AF65-F5344CB8AC3E}">
-        <p14:creationId xmlns:p14="http://schemas.microsoft.com/office/powerpoint/2010/main" val="524583673"/>
-      </p:ext>
-    </p:extLst>
-  </p:cSld>
-  <p:clrMapOvr>
-    <a:masterClrMapping/>
-  </p:clrMapOvr>
-  <p:timing>
-    <p:tnLst>
-      <p:par>
-        <p:cTn id="1" dur="indefinite" restart="never" nodeType="tmRoot">
-          <p:childTnLst>
-            <p:seq concurrent="1" nextAc="seek">
-              <p:cTn id="2" dur="indefinite" nodeType="mainSeq">
-                <p:childTnLst>
-                  <p:par>
-                    <p:cTn id="3" fill="hold">
-                      <p:stCondLst>
-                        <p:cond delay="indefinite"/>
-                      </p:stCondLst>
-                      <p:childTnLst>
-                        <p:par>
-                          <p:cTn id="4" fill="hold">
-                            <p:stCondLst>
-                              <p:cond delay="0"/>
-                            </p:stCondLst>
-                            <p:childTnLst>
-                              <p:par>
-                                <p:cTn id="5" presetID="10" presetClass="entr" presetSubtype="0" fill="hold" grpId="0" nodeType="clickEffect">
-                                  <p:stCondLst>
-                                    <p:cond delay="0"/>
-                                  </p:stCondLst>
-                                  <p:childTnLst>
-                                    <p:set>
-                                      <p:cBhvr>
-                                        <p:cTn id="6" dur="1" fill="hold">
-                                          <p:stCondLst>
-                                            <p:cond delay="0"/>
-                                          </p:stCondLst>
-                                        </p:cTn>
-                                        <p:tgtEl>
-                                          <p:spTgt spid="3">
-                                            <p:txEl>
-                                              <p:pRg st="0" end="0"/>
-                                            </p:txEl>
-                                          </p:spTgt>
-                                        </p:tgtEl>
-                                        <p:attrNameLst>
-                                          <p:attrName>style.visibility</p:attrName>
-                                        </p:attrNameLst>
-                                      </p:cBhvr>
-                                      <p:to>
-                                        <p:strVal val="visible"/>
-                                      </p:to>
-                                    </p:set>
-                                    <p:animEffect transition="in" filter="fade">
-                                      <p:cBhvr>
-                                        <p:cTn id="7" dur="500"/>
-                                        <p:tgtEl>
-                                          <p:spTgt spid="3">
-                                            <p:txEl>
-                                              <p:pRg st="0" end="0"/>
-                                            </p:txEl>
-                                          </p:spTgt>
-                                        </p:tgtEl>
-                                      </p:cBhvr>
-                                    </p:animEffect>
-                                  </p:childTnLst>
-                                </p:cTn>
-                              </p:par>
-                            </p:childTnLst>
-                          </p:cTn>
-                        </p:par>
-                      </p:childTnLst>
-                    </p:cTn>
-                  </p:par>
-                  <p:par>
-                    <p:cTn id="8" fill="hold">
-                      <p:stCondLst>
-                        <p:cond delay="indefinite"/>
-                      </p:stCondLst>
-                      <p:childTnLst>
-                        <p:par>
-                          <p:cTn id="9" fill="hold">
-                            <p:stCondLst>
-                              <p:cond delay="0"/>
-                            </p:stCondLst>
-                            <p:childTnLst>
-                              <p:par>
-                                <p:cTn id="10" presetID="10" presetClass="entr" presetSubtype="0" fill="hold" grpId="0" nodeType="clickEffect">
-                                  <p:stCondLst>
-                                    <p:cond delay="0"/>
-                                  </p:stCondLst>
-                                  <p:childTnLst>
-                                    <p:set>
-                                      <p:cBhvr>
-                                        <p:cTn id="11" dur="1" fill="hold">
-                                          <p:stCondLst>
-                                            <p:cond delay="0"/>
-                                          </p:stCondLst>
-                                        </p:cTn>
-                                        <p:tgtEl>
-                                          <p:spTgt spid="3">
-                                            <p:txEl>
-                                              <p:pRg st="2" end="2"/>
-                                            </p:txEl>
-                                          </p:spTgt>
-                                        </p:tgtEl>
-                                        <p:attrNameLst>
-                                          <p:attrName>style.visibility</p:attrName>
-                                        </p:attrNameLst>
-                                      </p:cBhvr>
-                                      <p:to>
-                                        <p:strVal val="visible"/>
-                                      </p:to>
-                                    </p:set>
-                                    <p:animEffect transition="in" filter="fade">
-                                      <p:cBhvr>
-                                        <p:cTn id="12" dur="500"/>
-                                        <p:tgtEl>
-                                          <p:spTgt spid="3">
-                                            <p:txEl>
-                                              <p:pRg st="2" end="2"/>
-                                            </p:txEl>
-                                          </p:spTgt>
-                                        </p:tgtEl>
-                                      </p:cBhvr>
-                                    </p:animEffect>
-                                  </p:childTnLst>
-                                </p:cTn>
-                              </p:par>
-                            </p:childTnLst>
-                          </p:cTn>
-                        </p:par>
-                      </p:childTnLst>
-                    </p:cTn>
-                  </p:par>
-                  <p:par>
-                    <p:cTn id="13" fill="hold">
-                      <p:stCondLst>
-                        <p:cond delay="indefinite"/>
-                      </p:stCondLst>
-                      <p:childTnLst>
-                        <p:par>
-                          <p:cTn id="14" fill="hold">
-                            <p:stCondLst>
-                              <p:cond delay="0"/>
-                            </p:stCondLst>
-                            <p:childTnLst>
-                              <p:par>
-                                <p:cTn id="15" presetID="10" presetClass="entr" presetSubtype="0" fill="hold" grpId="0" nodeType="clickEffect">
-                                  <p:stCondLst>
-                                    <p:cond delay="0"/>
-                                  </p:stCondLst>
-                                  <p:childTnLst>
-                                    <p:set>
-                                      <p:cBhvr>
-                                        <p:cTn id="16" dur="1" fill="hold">
-                                          <p:stCondLst>
-                                            <p:cond delay="0"/>
-                                          </p:stCondLst>
-                                        </p:cTn>
-                                        <p:tgtEl>
-                                          <p:spTgt spid="3">
-                                            <p:txEl>
-                                              <p:pRg st="3" end="3"/>
-                                            </p:txEl>
-                                          </p:spTgt>
-                                        </p:tgtEl>
-                                        <p:attrNameLst>
-                                          <p:attrName>style.visibility</p:attrName>
-                                        </p:attrNameLst>
-                                      </p:cBhvr>
-                                      <p:to>
-                                        <p:strVal val="visible"/>
-                                      </p:to>
-                                    </p:set>
-                                    <p:animEffect transition="in" filter="fade">
-                                      <p:cBhvr>
-                                        <p:cTn id="17" dur="500"/>
-                                        <p:tgtEl>
-                                          <p:spTgt spid="3">
-                                            <p:txEl>
-                                              <p:pRg st="3" end="3"/>
-                                            </p:txEl>
-                                          </p:spTgt>
-                                        </p:tgtEl>
-                                      </p:cBhvr>
-                                    </p:animEffect>
-                                  </p:childTnLst>
-                                </p:cTn>
-                              </p:par>
-                            </p:childTnLst>
-                          </p:cTn>
-                        </p:par>
-                      </p:childTnLst>
-                    </p:cTn>
-                  </p:par>
-                  <p:par>
-                    <p:cTn id="18" fill="hold">
-                      <p:stCondLst>
-                        <p:cond delay="indefinite"/>
-                      </p:stCondLst>
-                      <p:childTnLst>
-                        <p:par>
-                          <p:cTn id="19" fill="hold">
-                            <p:stCondLst>
-                              <p:cond delay="0"/>
-                            </p:stCondLst>
-                            <p:childTnLst>
-                              <p:par>
-                                <p:cTn id="20" presetID="10" presetClass="entr" presetSubtype="0" fill="hold" grpId="0" nodeType="clickEffect">
-                                  <p:stCondLst>
-                                    <p:cond delay="0"/>
-                                  </p:stCondLst>
-                                  <p:childTnLst>
-                                    <p:set>
-                                      <p:cBhvr>
-                                        <p:cTn id="21" dur="1" fill="hold">
-                                          <p:stCondLst>
-                                            <p:cond delay="0"/>
-                                          </p:stCondLst>
-                                        </p:cTn>
-                                        <p:tgtEl>
-                                          <p:spTgt spid="3">
-                                            <p:txEl>
-                                              <p:pRg st="4" end="4"/>
-                                            </p:txEl>
-                                          </p:spTgt>
-                                        </p:tgtEl>
-                                        <p:attrNameLst>
-                                          <p:attrName>style.visibility</p:attrName>
-                                        </p:attrNameLst>
-                                      </p:cBhvr>
-                                      <p:to>
-                                        <p:strVal val="visible"/>
-                                      </p:to>
-                                    </p:set>
-                                    <p:animEffect transition="in" filter="fade">
-                                      <p:cBhvr>
-                                        <p:cTn id="22" dur="500"/>
-                                        <p:tgtEl>
-                                          <p:spTgt spid="3">
-                                            <p:txEl>
-                                              <p:pRg st="4" end="4"/>
-                                            </p:txEl>
-                                          </p:spTgt>
-                                        </p:tgtEl>
-                                      </p:cBhvr>
-                                    </p:animEffect>
-                                  </p:childTnLst>
-                                </p:cTn>
-                              </p:par>
-                            </p:childTnLst>
-                          </p:cTn>
-                        </p:par>
-                      </p:childTnLst>
-                    </p:cTn>
-                  </p:par>
-                </p:childTnLst>
-              </p:cTn>
-              <p:prevCondLst>
-                <p:cond evt="onPrev" delay="0">
-                  <p:tgtEl>
-                    <p:sldTgt/>
-                  </p:tgtEl>
-                </p:cond>
-              </p:prevCondLst>
-              <p:nextCondLst>
-                <p:cond evt="onNext" delay="0">
-                  <p:tgtEl>
-                    <p:sldTgt/>
-                  </p:tgtEl>
-                </p:cond>
-              </p:nextCondLst>
-            </p:seq>
-          </p:childTnLst>
-        </p:cTn>
-      </p:par>
-    </p:tnLst>
-    <p:bldLst>
-      <p:bldP spid="3" grpId="0" build="p"/>
-    </p:bldLst>
-  </p:timing>
-</p:sld>
-</file>
-
 <file path=ppt/slides/slide3.xml><?xml version="1.0" encoding="utf-8"?>
 <p:sld xmlns:a="http://schemas.openxmlformats.org/drawingml/2006/main" xmlns:r="http://schemas.openxmlformats.org/officeDocument/2006/relationships" xmlns:p="http://schemas.openxmlformats.org/presentationml/2006/main">
   <p:cSld>
@@ -15050,8 +12656,8 @@
         </p:nvSpPr>
         <p:spPr>
           <a:xfrm>
-            <a:off x="609600" y="1676400"/>
-            <a:ext cx="7543800" cy="4572000"/>
+            <a:off x="3048000" y="1524000"/>
+            <a:ext cx="4876800" cy="1295400"/>
           </a:xfrm>
           <a:ln>
             <a:noFill/>
@@ -15107,93 +12713,6 @@
             </a:r>
           </a:p>
           <a:p>
-            <a:pPr algn="l"/>
-            <a:endParaRPr lang="en-US" sz="2000" cap="none" spc="0" dirty="0">
-              <a:solidFill>
-                <a:schemeClr val="tx1"/>
-              </a:solidFill>
-              <a:latin typeface="+mn-lt"/>
-            </a:endParaRPr>
-          </a:p>
-          <a:p>
-            <a:pPr algn="l"/>
-            <a:r>
-              <a:rPr lang="en-US" sz="2000" cap="none" spc="0" dirty="0">
-                <a:solidFill>
-                  <a:schemeClr val="tx1"/>
-                </a:solidFill>
-                <a:latin typeface="+mn-lt"/>
-              </a:rPr>
-              <a:t>A </a:t>
-            </a:r>
-            <a:r>
-              <a:rPr lang="en-US" sz="2000" b="1" cap="none" spc="0" dirty="0">
-                <a:solidFill>
-                  <a:schemeClr val="tx1"/>
-                </a:solidFill>
-                <a:latin typeface="+mn-lt"/>
-              </a:rPr>
-              <a:t>database management system </a:t>
-            </a:r>
-            <a:r>
-              <a:rPr lang="en-US" sz="2000" cap="none" spc="0" dirty="0">
-                <a:solidFill>
-                  <a:schemeClr val="tx1"/>
-                </a:solidFill>
-                <a:latin typeface="+mn-lt"/>
-              </a:rPr>
-              <a:t>(DBMS) is a computer software application that interacts with the user, other applications, and the database itself to capture and analyze data.</a:t>
-            </a:r>
-          </a:p>
-          <a:p>
-            <a:pPr algn="l"/>
-            <a:endParaRPr lang="en-US" sz="2000" cap="none" spc="0" dirty="0">
-              <a:solidFill>
-                <a:schemeClr val="tx1"/>
-              </a:solidFill>
-              <a:latin typeface="+mn-lt"/>
-            </a:endParaRPr>
-          </a:p>
-          <a:p>
-            <a:pPr algn="l"/>
-            <a:r>
-              <a:rPr lang="en-US" sz="2000" b="1" cap="none" spc="0" dirty="0">
-                <a:solidFill>
-                  <a:schemeClr val="tx1"/>
-                </a:solidFill>
-                <a:latin typeface="+mn-lt"/>
-              </a:rPr>
-              <a:t>Relational database management system (RDBMS) </a:t>
-            </a:r>
-            <a:r>
-              <a:rPr lang="en-US" sz="2000" cap="none" spc="0" dirty="0">
-                <a:solidFill>
-                  <a:schemeClr val="tx1"/>
-                </a:solidFill>
-                <a:latin typeface="+mn-lt"/>
-              </a:rPr>
-              <a:t>is a type of </a:t>
-            </a:r>
-            <a:r>
-              <a:rPr lang="en-US" sz="2000" cap="none" spc="0" dirty="0" err="1">
-                <a:solidFill>
-                  <a:schemeClr val="tx1"/>
-                </a:solidFill>
-                <a:latin typeface="+mn-lt"/>
-              </a:rPr>
-              <a:t>dbms</a:t>
-            </a:r>
-            <a:r>
-              <a:rPr lang="en-US" sz="2000" cap="none" spc="0" dirty="0">
-                <a:solidFill>
-                  <a:schemeClr val="tx1"/>
-                </a:solidFill>
-                <a:latin typeface="+mn-lt"/>
-              </a:rPr>
-              <a:t> having relationships between the tables using indexes and different constraints like primary key, foreign key etc. </a:t>
-            </a:r>
-          </a:p>
-          <a:p>
             <a:endParaRPr lang="en-US" spc="0" dirty="0">
               <a:solidFill>
                 <a:schemeClr val="tx1"/>
@@ -15229,6 +12748,727 @@
               <a:t>3</a:t>
             </a:fld>
             <a:endParaRPr lang="en-US"/>
+          </a:p>
+        </p:txBody>
+      </p:sp>
+      <p:pic>
+        <p:nvPicPr>
+          <p:cNvPr id="6" name="Picture 5" descr="Shape&#10;&#10;Description automatically generated with low confidence">
+            <a:extLst>
+              <a:ext uri="{FF2B5EF4-FFF2-40B4-BE49-F238E27FC236}">
+                <a16:creationId xmlns:a16="http://schemas.microsoft.com/office/drawing/2014/main" id="{C8AAF721-036B-4957-8CB8-4EB0DBA031CA}"/>
+              </a:ext>
+            </a:extLst>
+          </p:cNvPr>
+          <p:cNvPicPr>
+            <a:picLocks noChangeAspect="1"/>
+          </p:cNvPicPr>
+          <p:nvPr/>
+        </p:nvPicPr>
+        <p:blipFill>
+          <a:blip r:embed="rId2" cstate="print">
+            <a:extLst>
+              <a:ext uri="{28A0092B-C50C-407E-A947-70E740481C1C}">
+                <a14:useLocalDpi xmlns:a14="http://schemas.microsoft.com/office/drawing/2010/main" val="0"/>
+              </a:ext>
+            </a:extLst>
+          </a:blip>
+          <a:stretch>
+            <a:fillRect/>
+          </a:stretch>
+        </p:blipFill>
+        <p:spPr>
+          <a:xfrm>
+            <a:off x="1295400" y="1447800"/>
+            <a:ext cx="990600" cy="990600"/>
+          </a:xfrm>
+          <a:prstGeom prst="rect">
+            <a:avLst/>
+          </a:prstGeom>
+        </p:spPr>
+      </p:pic>
+      <p:pic>
+        <p:nvPicPr>
+          <p:cNvPr id="8" name="Picture 7" descr="Shape&#10;&#10;Description automatically generated with low confidence">
+            <a:extLst>
+              <a:ext uri="{FF2B5EF4-FFF2-40B4-BE49-F238E27FC236}">
+                <a16:creationId xmlns:a16="http://schemas.microsoft.com/office/drawing/2014/main" id="{635703E1-6FF6-4221-805C-E0AF8C56CE66}"/>
+              </a:ext>
+            </a:extLst>
+          </p:cNvPr>
+          <p:cNvPicPr>
+            <a:picLocks noChangeAspect="1"/>
+          </p:cNvPicPr>
+          <p:nvPr/>
+        </p:nvPicPr>
+        <p:blipFill>
+          <a:blip r:embed="rId3">
+            <a:extLst>
+              <a:ext uri="{28A0092B-C50C-407E-A947-70E740481C1C}">
+                <a14:useLocalDpi xmlns:a14="http://schemas.microsoft.com/office/drawing/2010/main" val="0"/>
+              </a:ext>
+            </a:extLst>
+          </a:blip>
+          <a:stretch>
+            <a:fillRect/>
+          </a:stretch>
+        </p:blipFill>
+        <p:spPr>
+          <a:xfrm>
+            <a:off x="990600" y="2743200"/>
+            <a:ext cx="1524000" cy="1524000"/>
+          </a:xfrm>
+          <a:prstGeom prst="rect">
+            <a:avLst/>
+          </a:prstGeom>
+        </p:spPr>
+      </p:pic>
+      <p:pic>
+        <p:nvPicPr>
+          <p:cNvPr id="10" name="Picture 9" descr="Background pattern&#10;&#10;Description automatically generated with medium confidence">
+            <a:extLst>
+              <a:ext uri="{FF2B5EF4-FFF2-40B4-BE49-F238E27FC236}">
+                <a16:creationId xmlns:a16="http://schemas.microsoft.com/office/drawing/2014/main" id="{AA2E4F49-B5AA-451F-9932-F2F968ABDF72}"/>
+              </a:ext>
+            </a:extLst>
+          </p:cNvPr>
+          <p:cNvPicPr>
+            <a:picLocks noChangeAspect="1"/>
+          </p:cNvPicPr>
+          <p:nvPr/>
+        </p:nvPicPr>
+        <p:blipFill>
+          <a:blip r:embed="rId4" cstate="print">
+            <a:extLst>
+              <a:ext uri="{28A0092B-C50C-407E-A947-70E740481C1C}">
+                <a14:useLocalDpi xmlns:a14="http://schemas.microsoft.com/office/drawing/2010/main" val="0"/>
+              </a:ext>
+            </a:extLst>
+          </a:blip>
+          <a:stretch>
+            <a:fillRect/>
+          </a:stretch>
+        </p:blipFill>
+        <p:spPr>
+          <a:xfrm>
+            <a:off x="990600" y="4343400"/>
+            <a:ext cx="1676400" cy="1676400"/>
+          </a:xfrm>
+          <a:prstGeom prst="rect">
+            <a:avLst/>
+          </a:prstGeom>
+        </p:spPr>
+      </p:pic>
+      <p:sp>
+        <p:nvSpPr>
+          <p:cNvPr id="11" name="Subtitle 2">
+            <a:extLst>
+              <a:ext uri="{FF2B5EF4-FFF2-40B4-BE49-F238E27FC236}">
+                <a16:creationId xmlns:a16="http://schemas.microsoft.com/office/drawing/2014/main" id="{D2EA8EAA-A58E-4DD4-994F-4715751C0B6A}"/>
+              </a:ext>
+            </a:extLst>
+          </p:cNvPr>
+          <p:cNvSpPr txBox="1">
+            <a:spLocks/>
+          </p:cNvSpPr>
+          <p:nvPr/>
+        </p:nvSpPr>
+        <p:spPr>
+          <a:xfrm>
+            <a:off x="2971800" y="2895600"/>
+            <a:ext cx="5410200" cy="1371600"/>
+          </a:xfrm>
+          <a:prstGeom prst="rect">
+            <a:avLst/>
+          </a:prstGeom>
+          <a:ln w="15875" cap="flat" cmpd="sng" algn="ctr">
+            <a:noFill/>
+            <a:prstDash val="solid"/>
+          </a:ln>
+        </p:spPr>
+        <p:style>
+          <a:lnRef idx="2">
+            <a:schemeClr val="accent1"/>
+          </a:lnRef>
+          <a:fillRef idx="1">
+            <a:schemeClr val="lt1"/>
+          </a:fillRef>
+          <a:effectRef idx="0">
+            <a:schemeClr val="accent1"/>
+          </a:effectRef>
+          <a:fontRef idx="minor">
+            <a:schemeClr val="dk1"/>
+          </a:fontRef>
+        </p:style>
+        <p:txBody>
+          <a:bodyPr vert="horz" lIns="91440" tIns="45720" rIns="91440" bIns="45720" rtlCol="0">
+            <a:normAutofit/>
+          </a:bodyPr>
+          <a:lstStyle>
+            <a:lvl1pPr marL="0" indent="0" algn="l" defTabSz="914400" rtl="0" eaLnBrk="1" latinLnBrk="0" hangingPunct="1">
+              <a:lnSpc>
+                <a:spcPct val="90000"/>
+              </a:lnSpc>
+              <a:spcBef>
+                <a:spcPts val="1200"/>
+              </a:spcBef>
+              <a:spcAft>
+                <a:spcPts val="200"/>
+              </a:spcAft>
+              <a:buClr>
+                <a:schemeClr val="accent1"/>
+              </a:buClr>
+              <a:buSzPct val="100000"/>
+              <a:buFont typeface="Calibri" panose="020F0502020204030204" pitchFamily="34" charset="0"/>
+              <a:buNone/>
+              <a:defRPr sz="2400" kern="1200" cap="all" spc="200" baseline="0">
+                <a:solidFill>
+                  <a:schemeClr val="tx2"/>
+                </a:solidFill>
+                <a:latin typeface="+mj-lt"/>
+                <a:ea typeface="+mn-ea"/>
+                <a:cs typeface="+mn-cs"/>
+              </a:defRPr>
+            </a:lvl1pPr>
+            <a:lvl2pPr marL="457200" indent="0" algn="ctr" defTabSz="914400" rtl="0" eaLnBrk="1" latinLnBrk="0" hangingPunct="1">
+              <a:lnSpc>
+                <a:spcPct val="90000"/>
+              </a:lnSpc>
+              <a:spcBef>
+                <a:spcPts val="200"/>
+              </a:spcBef>
+              <a:spcAft>
+                <a:spcPts val="400"/>
+              </a:spcAft>
+              <a:buClr>
+                <a:schemeClr val="accent1"/>
+              </a:buClr>
+              <a:buFont typeface="Calibri" pitchFamily="34" charset="0"/>
+              <a:buNone/>
+              <a:defRPr sz="2400" kern="1200">
+                <a:solidFill>
+                  <a:schemeClr val="dk1"/>
+                </a:solidFill>
+                <a:latin typeface="+mn-lt"/>
+                <a:ea typeface="+mn-ea"/>
+                <a:cs typeface="+mn-cs"/>
+              </a:defRPr>
+            </a:lvl2pPr>
+            <a:lvl3pPr marL="914400" indent="0" algn="ctr" defTabSz="914400" rtl="0" eaLnBrk="1" latinLnBrk="0" hangingPunct="1">
+              <a:lnSpc>
+                <a:spcPct val="90000"/>
+              </a:lnSpc>
+              <a:spcBef>
+                <a:spcPts val="200"/>
+              </a:spcBef>
+              <a:spcAft>
+                <a:spcPts val="400"/>
+              </a:spcAft>
+              <a:buClr>
+                <a:schemeClr val="accent1"/>
+              </a:buClr>
+              <a:buFont typeface="Calibri" pitchFamily="34" charset="0"/>
+              <a:buNone/>
+              <a:defRPr sz="2400" kern="1200">
+                <a:solidFill>
+                  <a:schemeClr val="dk1"/>
+                </a:solidFill>
+                <a:latin typeface="+mn-lt"/>
+                <a:ea typeface="+mn-ea"/>
+                <a:cs typeface="+mn-cs"/>
+              </a:defRPr>
+            </a:lvl3pPr>
+            <a:lvl4pPr marL="1371600" indent="0" algn="ctr" defTabSz="914400" rtl="0" eaLnBrk="1" latinLnBrk="0" hangingPunct="1">
+              <a:lnSpc>
+                <a:spcPct val="90000"/>
+              </a:lnSpc>
+              <a:spcBef>
+                <a:spcPts val="200"/>
+              </a:spcBef>
+              <a:spcAft>
+                <a:spcPts val="400"/>
+              </a:spcAft>
+              <a:buClr>
+                <a:schemeClr val="accent1"/>
+              </a:buClr>
+              <a:buFont typeface="Calibri" pitchFamily="34" charset="0"/>
+              <a:buNone/>
+              <a:defRPr sz="2000" kern="1200">
+                <a:solidFill>
+                  <a:schemeClr val="dk1"/>
+                </a:solidFill>
+                <a:latin typeface="+mn-lt"/>
+                <a:ea typeface="+mn-ea"/>
+                <a:cs typeface="+mn-cs"/>
+              </a:defRPr>
+            </a:lvl4pPr>
+            <a:lvl5pPr marL="1828800" indent="0" algn="ctr" defTabSz="914400" rtl="0" eaLnBrk="1" latinLnBrk="0" hangingPunct="1">
+              <a:lnSpc>
+                <a:spcPct val="90000"/>
+              </a:lnSpc>
+              <a:spcBef>
+                <a:spcPts val="200"/>
+              </a:spcBef>
+              <a:spcAft>
+                <a:spcPts val="400"/>
+              </a:spcAft>
+              <a:buClr>
+                <a:schemeClr val="accent1"/>
+              </a:buClr>
+              <a:buFont typeface="Calibri" pitchFamily="34" charset="0"/>
+              <a:buNone/>
+              <a:defRPr sz="2000" kern="1200">
+                <a:solidFill>
+                  <a:schemeClr val="dk1"/>
+                </a:solidFill>
+                <a:latin typeface="+mn-lt"/>
+                <a:ea typeface="+mn-ea"/>
+                <a:cs typeface="+mn-cs"/>
+              </a:defRPr>
+            </a:lvl5pPr>
+            <a:lvl6pPr marL="2286000" indent="0" algn="ctr" defTabSz="914400" rtl="0" eaLnBrk="1" latinLnBrk="0" hangingPunct="1">
+              <a:lnSpc>
+                <a:spcPct val="90000"/>
+              </a:lnSpc>
+              <a:spcBef>
+                <a:spcPts val="200"/>
+              </a:spcBef>
+              <a:spcAft>
+                <a:spcPts val="400"/>
+              </a:spcAft>
+              <a:buClr>
+                <a:schemeClr val="accent1"/>
+              </a:buClr>
+              <a:buFont typeface="Calibri" pitchFamily="34" charset="0"/>
+              <a:buNone/>
+              <a:defRPr sz="2000" kern="1200">
+                <a:solidFill>
+                  <a:schemeClr val="dk1"/>
+                </a:solidFill>
+                <a:latin typeface="+mn-lt"/>
+                <a:ea typeface="+mn-ea"/>
+                <a:cs typeface="+mn-cs"/>
+              </a:defRPr>
+            </a:lvl6pPr>
+            <a:lvl7pPr marL="2743200" indent="0" algn="ctr" defTabSz="914400" rtl="0" eaLnBrk="1" latinLnBrk="0" hangingPunct="1">
+              <a:lnSpc>
+                <a:spcPct val="90000"/>
+              </a:lnSpc>
+              <a:spcBef>
+                <a:spcPts val="200"/>
+              </a:spcBef>
+              <a:spcAft>
+                <a:spcPts val="400"/>
+              </a:spcAft>
+              <a:buClr>
+                <a:schemeClr val="accent1"/>
+              </a:buClr>
+              <a:buFont typeface="Calibri" pitchFamily="34" charset="0"/>
+              <a:buNone/>
+              <a:defRPr sz="2000" kern="1200">
+                <a:solidFill>
+                  <a:schemeClr val="dk1"/>
+                </a:solidFill>
+                <a:latin typeface="+mn-lt"/>
+                <a:ea typeface="+mn-ea"/>
+                <a:cs typeface="+mn-cs"/>
+              </a:defRPr>
+            </a:lvl7pPr>
+            <a:lvl8pPr marL="3200400" indent="0" algn="ctr" defTabSz="914400" rtl="0" eaLnBrk="1" latinLnBrk="0" hangingPunct="1">
+              <a:lnSpc>
+                <a:spcPct val="90000"/>
+              </a:lnSpc>
+              <a:spcBef>
+                <a:spcPts val="200"/>
+              </a:spcBef>
+              <a:spcAft>
+                <a:spcPts val="400"/>
+              </a:spcAft>
+              <a:buClr>
+                <a:schemeClr val="accent1"/>
+              </a:buClr>
+              <a:buFont typeface="Calibri" pitchFamily="34" charset="0"/>
+              <a:buNone/>
+              <a:defRPr sz="2000" kern="1200">
+                <a:solidFill>
+                  <a:schemeClr val="dk1"/>
+                </a:solidFill>
+                <a:latin typeface="+mn-lt"/>
+                <a:ea typeface="+mn-ea"/>
+                <a:cs typeface="+mn-cs"/>
+              </a:defRPr>
+            </a:lvl8pPr>
+            <a:lvl9pPr marL="3657600" indent="0" algn="ctr" defTabSz="914400" rtl="0" eaLnBrk="1" latinLnBrk="0" hangingPunct="1">
+              <a:lnSpc>
+                <a:spcPct val="90000"/>
+              </a:lnSpc>
+              <a:spcBef>
+                <a:spcPts val="200"/>
+              </a:spcBef>
+              <a:spcAft>
+                <a:spcPts val="400"/>
+              </a:spcAft>
+              <a:buClr>
+                <a:schemeClr val="accent1"/>
+              </a:buClr>
+              <a:buFont typeface="Calibri" pitchFamily="34" charset="0"/>
+              <a:buNone/>
+              <a:defRPr sz="2000" kern="1200">
+                <a:solidFill>
+                  <a:schemeClr val="dk1"/>
+                </a:solidFill>
+                <a:latin typeface="+mn-lt"/>
+                <a:ea typeface="+mn-ea"/>
+                <a:cs typeface="+mn-cs"/>
+              </a:defRPr>
+            </a:lvl9pPr>
+          </a:lstStyle>
+          <a:p>
+            <a:r>
+              <a:rPr lang="en-US" sz="2000" cap="none" spc="0" dirty="0">
+                <a:solidFill>
+                  <a:schemeClr val="tx1"/>
+                </a:solidFill>
+                <a:latin typeface="+mn-lt"/>
+              </a:rPr>
+              <a:t>A </a:t>
+            </a:r>
+            <a:r>
+              <a:rPr lang="en-US" sz="2000" b="1" cap="none" spc="0" dirty="0">
+                <a:solidFill>
+                  <a:schemeClr val="tx1"/>
+                </a:solidFill>
+                <a:latin typeface="+mn-lt"/>
+              </a:rPr>
+              <a:t>database management system </a:t>
+            </a:r>
+            <a:r>
+              <a:rPr lang="en-US" sz="2000" cap="none" spc="0" dirty="0">
+                <a:solidFill>
+                  <a:schemeClr val="tx1"/>
+                </a:solidFill>
+                <a:latin typeface="+mn-lt"/>
+              </a:rPr>
+              <a:t>(DBMS) is a computer software application that interacts with the user, other applications, and the database itself to capture and analyze data.</a:t>
+            </a:r>
+          </a:p>
+          <a:p>
+            <a:endParaRPr lang="en-US" spc="0" dirty="0">
+              <a:solidFill>
+                <a:schemeClr val="tx1"/>
+              </a:solidFill>
+            </a:endParaRPr>
+          </a:p>
+        </p:txBody>
+      </p:sp>
+      <p:sp>
+        <p:nvSpPr>
+          <p:cNvPr id="12" name="Subtitle 2">
+            <a:extLst>
+              <a:ext uri="{FF2B5EF4-FFF2-40B4-BE49-F238E27FC236}">
+                <a16:creationId xmlns:a16="http://schemas.microsoft.com/office/drawing/2014/main" id="{F03850DA-6970-4C14-9FEB-669DAFA66545}"/>
+              </a:ext>
+            </a:extLst>
+          </p:cNvPr>
+          <p:cNvSpPr txBox="1">
+            <a:spLocks/>
+          </p:cNvSpPr>
+          <p:nvPr/>
+        </p:nvSpPr>
+        <p:spPr>
+          <a:xfrm>
+            <a:off x="2971800" y="4419600"/>
+            <a:ext cx="5410200" cy="1676400"/>
+          </a:xfrm>
+          <a:prstGeom prst="rect">
+            <a:avLst/>
+          </a:prstGeom>
+          <a:ln w="15875" cap="flat" cmpd="sng" algn="ctr">
+            <a:noFill/>
+            <a:prstDash val="solid"/>
+          </a:ln>
+        </p:spPr>
+        <p:style>
+          <a:lnRef idx="2">
+            <a:schemeClr val="accent1"/>
+          </a:lnRef>
+          <a:fillRef idx="1">
+            <a:schemeClr val="lt1"/>
+          </a:fillRef>
+          <a:effectRef idx="0">
+            <a:schemeClr val="accent1"/>
+          </a:effectRef>
+          <a:fontRef idx="minor">
+            <a:schemeClr val="dk1"/>
+          </a:fontRef>
+        </p:style>
+        <p:txBody>
+          <a:bodyPr vert="horz" lIns="91440" tIns="45720" rIns="91440" bIns="45720" rtlCol="0">
+            <a:normAutofit/>
+          </a:bodyPr>
+          <a:lstStyle>
+            <a:lvl1pPr marL="0" indent="0" algn="l" defTabSz="914400" rtl="0" eaLnBrk="1" latinLnBrk="0" hangingPunct="1">
+              <a:lnSpc>
+                <a:spcPct val="90000"/>
+              </a:lnSpc>
+              <a:spcBef>
+                <a:spcPts val="1200"/>
+              </a:spcBef>
+              <a:spcAft>
+                <a:spcPts val="200"/>
+              </a:spcAft>
+              <a:buClr>
+                <a:schemeClr val="accent1"/>
+              </a:buClr>
+              <a:buSzPct val="100000"/>
+              <a:buFont typeface="Calibri" panose="020F0502020204030204" pitchFamily="34" charset="0"/>
+              <a:buNone/>
+              <a:defRPr sz="2400" kern="1200" cap="all" spc="200" baseline="0">
+                <a:solidFill>
+                  <a:schemeClr val="tx2"/>
+                </a:solidFill>
+                <a:latin typeface="+mj-lt"/>
+                <a:ea typeface="+mn-ea"/>
+                <a:cs typeface="+mn-cs"/>
+              </a:defRPr>
+            </a:lvl1pPr>
+            <a:lvl2pPr marL="457200" indent="0" algn="ctr" defTabSz="914400" rtl="0" eaLnBrk="1" latinLnBrk="0" hangingPunct="1">
+              <a:lnSpc>
+                <a:spcPct val="90000"/>
+              </a:lnSpc>
+              <a:spcBef>
+                <a:spcPts val="200"/>
+              </a:spcBef>
+              <a:spcAft>
+                <a:spcPts val="400"/>
+              </a:spcAft>
+              <a:buClr>
+                <a:schemeClr val="accent1"/>
+              </a:buClr>
+              <a:buFont typeface="Calibri" pitchFamily="34" charset="0"/>
+              <a:buNone/>
+              <a:defRPr sz="2400" kern="1200">
+                <a:solidFill>
+                  <a:schemeClr val="dk1"/>
+                </a:solidFill>
+                <a:latin typeface="+mn-lt"/>
+                <a:ea typeface="+mn-ea"/>
+                <a:cs typeface="+mn-cs"/>
+              </a:defRPr>
+            </a:lvl2pPr>
+            <a:lvl3pPr marL="914400" indent="0" algn="ctr" defTabSz="914400" rtl="0" eaLnBrk="1" latinLnBrk="0" hangingPunct="1">
+              <a:lnSpc>
+                <a:spcPct val="90000"/>
+              </a:lnSpc>
+              <a:spcBef>
+                <a:spcPts val="200"/>
+              </a:spcBef>
+              <a:spcAft>
+                <a:spcPts val="400"/>
+              </a:spcAft>
+              <a:buClr>
+                <a:schemeClr val="accent1"/>
+              </a:buClr>
+              <a:buFont typeface="Calibri" pitchFamily="34" charset="0"/>
+              <a:buNone/>
+              <a:defRPr sz="2400" kern="1200">
+                <a:solidFill>
+                  <a:schemeClr val="dk1"/>
+                </a:solidFill>
+                <a:latin typeface="+mn-lt"/>
+                <a:ea typeface="+mn-ea"/>
+                <a:cs typeface="+mn-cs"/>
+              </a:defRPr>
+            </a:lvl3pPr>
+            <a:lvl4pPr marL="1371600" indent="0" algn="ctr" defTabSz="914400" rtl="0" eaLnBrk="1" latinLnBrk="0" hangingPunct="1">
+              <a:lnSpc>
+                <a:spcPct val="90000"/>
+              </a:lnSpc>
+              <a:spcBef>
+                <a:spcPts val="200"/>
+              </a:spcBef>
+              <a:spcAft>
+                <a:spcPts val="400"/>
+              </a:spcAft>
+              <a:buClr>
+                <a:schemeClr val="accent1"/>
+              </a:buClr>
+              <a:buFont typeface="Calibri" pitchFamily="34" charset="0"/>
+              <a:buNone/>
+              <a:defRPr sz="2000" kern="1200">
+                <a:solidFill>
+                  <a:schemeClr val="dk1"/>
+                </a:solidFill>
+                <a:latin typeface="+mn-lt"/>
+                <a:ea typeface="+mn-ea"/>
+                <a:cs typeface="+mn-cs"/>
+              </a:defRPr>
+            </a:lvl4pPr>
+            <a:lvl5pPr marL="1828800" indent="0" algn="ctr" defTabSz="914400" rtl="0" eaLnBrk="1" latinLnBrk="0" hangingPunct="1">
+              <a:lnSpc>
+                <a:spcPct val="90000"/>
+              </a:lnSpc>
+              <a:spcBef>
+                <a:spcPts val="200"/>
+              </a:spcBef>
+              <a:spcAft>
+                <a:spcPts val="400"/>
+              </a:spcAft>
+              <a:buClr>
+                <a:schemeClr val="accent1"/>
+              </a:buClr>
+              <a:buFont typeface="Calibri" pitchFamily="34" charset="0"/>
+              <a:buNone/>
+              <a:defRPr sz="2000" kern="1200">
+                <a:solidFill>
+                  <a:schemeClr val="dk1"/>
+                </a:solidFill>
+                <a:latin typeface="+mn-lt"/>
+                <a:ea typeface="+mn-ea"/>
+                <a:cs typeface="+mn-cs"/>
+              </a:defRPr>
+            </a:lvl5pPr>
+            <a:lvl6pPr marL="2286000" indent="0" algn="ctr" defTabSz="914400" rtl="0" eaLnBrk="1" latinLnBrk="0" hangingPunct="1">
+              <a:lnSpc>
+                <a:spcPct val="90000"/>
+              </a:lnSpc>
+              <a:spcBef>
+                <a:spcPts val="200"/>
+              </a:spcBef>
+              <a:spcAft>
+                <a:spcPts val="400"/>
+              </a:spcAft>
+              <a:buClr>
+                <a:schemeClr val="accent1"/>
+              </a:buClr>
+              <a:buFont typeface="Calibri" pitchFamily="34" charset="0"/>
+              <a:buNone/>
+              <a:defRPr sz="2000" kern="1200">
+                <a:solidFill>
+                  <a:schemeClr val="dk1"/>
+                </a:solidFill>
+                <a:latin typeface="+mn-lt"/>
+                <a:ea typeface="+mn-ea"/>
+                <a:cs typeface="+mn-cs"/>
+              </a:defRPr>
+            </a:lvl6pPr>
+            <a:lvl7pPr marL="2743200" indent="0" algn="ctr" defTabSz="914400" rtl="0" eaLnBrk="1" latinLnBrk="0" hangingPunct="1">
+              <a:lnSpc>
+                <a:spcPct val="90000"/>
+              </a:lnSpc>
+              <a:spcBef>
+                <a:spcPts val="200"/>
+              </a:spcBef>
+              <a:spcAft>
+                <a:spcPts val="400"/>
+              </a:spcAft>
+              <a:buClr>
+                <a:schemeClr val="accent1"/>
+              </a:buClr>
+              <a:buFont typeface="Calibri" pitchFamily="34" charset="0"/>
+              <a:buNone/>
+              <a:defRPr sz="2000" kern="1200">
+                <a:solidFill>
+                  <a:schemeClr val="dk1"/>
+                </a:solidFill>
+                <a:latin typeface="+mn-lt"/>
+                <a:ea typeface="+mn-ea"/>
+                <a:cs typeface="+mn-cs"/>
+              </a:defRPr>
+            </a:lvl7pPr>
+            <a:lvl8pPr marL="3200400" indent="0" algn="ctr" defTabSz="914400" rtl="0" eaLnBrk="1" latinLnBrk="0" hangingPunct="1">
+              <a:lnSpc>
+                <a:spcPct val="90000"/>
+              </a:lnSpc>
+              <a:spcBef>
+                <a:spcPts val="200"/>
+              </a:spcBef>
+              <a:spcAft>
+                <a:spcPts val="400"/>
+              </a:spcAft>
+              <a:buClr>
+                <a:schemeClr val="accent1"/>
+              </a:buClr>
+              <a:buFont typeface="Calibri" pitchFamily="34" charset="0"/>
+              <a:buNone/>
+              <a:defRPr sz="2000" kern="1200">
+                <a:solidFill>
+                  <a:schemeClr val="dk1"/>
+                </a:solidFill>
+                <a:latin typeface="+mn-lt"/>
+                <a:ea typeface="+mn-ea"/>
+                <a:cs typeface="+mn-cs"/>
+              </a:defRPr>
+            </a:lvl8pPr>
+            <a:lvl9pPr marL="3657600" indent="0" algn="ctr" defTabSz="914400" rtl="0" eaLnBrk="1" latinLnBrk="0" hangingPunct="1">
+              <a:lnSpc>
+                <a:spcPct val="90000"/>
+              </a:lnSpc>
+              <a:spcBef>
+                <a:spcPts val="200"/>
+              </a:spcBef>
+              <a:spcAft>
+                <a:spcPts val="400"/>
+              </a:spcAft>
+              <a:buClr>
+                <a:schemeClr val="accent1"/>
+              </a:buClr>
+              <a:buFont typeface="Calibri" pitchFamily="34" charset="0"/>
+              <a:buNone/>
+              <a:defRPr sz="2000" kern="1200">
+                <a:solidFill>
+                  <a:schemeClr val="dk1"/>
+                </a:solidFill>
+                <a:latin typeface="+mn-lt"/>
+                <a:ea typeface="+mn-ea"/>
+                <a:cs typeface="+mn-cs"/>
+              </a:defRPr>
+            </a:lvl9pPr>
+          </a:lstStyle>
+          <a:p>
+            <a:r>
+              <a:rPr lang="en-US" sz="2000" b="1" cap="none" spc="0" dirty="0">
+                <a:solidFill>
+                  <a:schemeClr val="tx1"/>
+                </a:solidFill>
+                <a:latin typeface="+mn-lt"/>
+              </a:rPr>
+              <a:t>Relational database management system (RDBMS) </a:t>
+            </a:r>
+            <a:r>
+              <a:rPr lang="en-US" sz="2000" cap="none" spc="0" dirty="0">
+                <a:solidFill>
+                  <a:schemeClr val="tx1"/>
+                </a:solidFill>
+                <a:latin typeface="+mn-lt"/>
+              </a:rPr>
+              <a:t>is a type of </a:t>
+            </a:r>
+            <a:r>
+              <a:rPr lang="en-US" sz="2000" cap="none" spc="0" dirty="0" err="1">
+                <a:solidFill>
+                  <a:schemeClr val="tx1"/>
+                </a:solidFill>
+                <a:latin typeface="+mn-lt"/>
+              </a:rPr>
+              <a:t>dbms</a:t>
+            </a:r>
+            <a:r>
+              <a:rPr lang="en-US" sz="2000" cap="none" spc="0" dirty="0">
+                <a:solidFill>
+                  <a:schemeClr val="tx1"/>
+                </a:solidFill>
+                <a:latin typeface="+mn-lt"/>
+              </a:rPr>
+              <a:t> having relationships between the tables using indexes and different constraints like primary key, foreign key etc. </a:t>
+            </a:r>
+          </a:p>
+          <a:p>
+            <a:endParaRPr lang="en-US" spc="0" dirty="0">
+              <a:solidFill>
+                <a:schemeClr val="tx1"/>
+              </a:solidFill>
+            </a:endParaRPr>
           </a:p>
         </p:txBody>
       </p:sp>
@@ -15293,43 +13533,21 @@
                                   </p:childTnLst>
                                 </p:cTn>
                               </p:par>
-                            </p:childTnLst>
-                          </p:cTn>
-                        </p:par>
-                      </p:childTnLst>
-                    </p:cTn>
-                  </p:par>
-                  <p:par>
-                    <p:cTn id="7" fill="hold">
-                      <p:stCondLst>
-                        <p:cond delay="indefinite"/>
-                      </p:stCondLst>
-                      <p:childTnLst>
-                        <p:par>
-                          <p:cTn id="8" fill="hold">
-                            <p:stCondLst>
-                              <p:cond delay="0"/>
-                            </p:stCondLst>
-                            <p:childTnLst>
                               <p:par>
-                                <p:cTn id="9" presetID="1" presetClass="entr" presetSubtype="0" fill="hold" grpId="0" nodeType="clickEffect">
+                                <p:cTn id="7" presetID="1" presetClass="entr" presetSubtype="0" fill="hold" nodeType="withEffect">
                                   <p:stCondLst>
                                     <p:cond delay="0"/>
                                   </p:stCondLst>
                                   <p:childTnLst>
                                     <p:set>
                                       <p:cBhvr>
-                                        <p:cTn id="10" dur="1" fill="hold">
+                                        <p:cTn id="8" dur="1" fill="hold">
                                           <p:stCondLst>
                                             <p:cond delay="0"/>
                                           </p:stCondLst>
                                         </p:cTn>
                                         <p:tgtEl>
-                                          <p:spTgt spid="3">
-                                            <p:txEl>
-                                              <p:pRg st="2" end="2"/>
-                                            </p:txEl>
-                                          </p:spTgt>
+                                          <p:spTgt spid="6"/>
                                         </p:tgtEl>
                                         <p:attrNameLst>
                                           <p:attrName>style.visibility</p:attrName>
@@ -15349,19 +13567,50 @@
                     </p:cTn>
                   </p:par>
                   <p:par>
-                    <p:cTn id="11" fill="hold">
+                    <p:cTn id="9" fill="hold">
                       <p:stCondLst>
                         <p:cond delay="indefinite"/>
                       </p:stCondLst>
                       <p:childTnLst>
                         <p:par>
-                          <p:cTn id="12" fill="hold">
+                          <p:cTn id="10" fill="hold">
                             <p:stCondLst>
                               <p:cond delay="0"/>
                             </p:stCondLst>
                             <p:childTnLst>
                               <p:par>
-                                <p:cTn id="13" presetID="1" presetClass="entr" presetSubtype="0" fill="hold" grpId="0" nodeType="clickEffect">
+                                <p:cTn id="11" presetID="1" presetClass="entr" presetSubtype="0" fill="hold" grpId="0" nodeType="clickEffect">
+                                  <p:stCondLst>
+                                    <p:cond delay="0"/>
+                                  </p:stCondLst>
+                                  <p:childTnLst>
+                                    <p:set>
+                                      <p:cBhvr>
+                                        <p:cTn id="12" dur="1" fill="hold">
+                                          <p:stCondLst>
+                                            <p:cond delay="0"/>
+                                          </p:stCondLst>
+                                        </p:cTn>
+                                        <p:tgtEl>
+                                          <p:spTgt spid="11">
+                                            <p:txEl>
+                                              <p:pRg st="0" end="0"/>
+                                            </p:txEl>
+                                          </p:spTgt>
+                                        </p:tgtEl>
+                                        <p:attrNameLst>
+                                          <p:attrName>style.visibility</p:attrName>
+                                        </p:attrNameLst>
+                                      </p:cBhvr>
+                                      <p:to>
+                                        <p:strVal val="visible"/>
+                                      </p:to>
+                                    </p:set>
+                                  </p:childTnLst>
+                                </p:cTn>
+                              </p:par>
+                              <p:par>
+                                <p:cTn id="13" presetID="1" presetClass="entr" presetSubtype="0" fill="hold" nodeType="withEffect">
                                   <p:stCondLst>
                                     <p:cond delay="0"/>
                                   </p:stCondLst>
@@ -15374,11 +13623,83 @@
                                           </p:stCondLst>
                                         </p:cTn>
                                         <p:tgtEl>
-                                          <p:spTgt spid="3">
+                                          <p:spTgt spid="8"/>
+                                        </p:tgtEl>
+                                        <p:attrNameLst>
+                                          <p:attrName>style.visibility</p:attrName>
+                                        </p:attrNameLst>
+                                      </p:cBhvr>
+                                      <p:to>
+                                        <p:strVal val="visible"/>
+                                      </p:to>
+                                    </p:set>
+                                  </p:childTnLst>
+                                </p:cTn>
+                              </p:par>
+                            </p:childTnLst>
+                          </p:cTn>
+                        </p:par>
+                      </p:childTnLst>
+                    </p:cTn>
+                  </p:par>
+                  <p:par>
+                    <p:cTn id="15" fill="hold">
+                      <p:stCondLst>
+                        <p:cond delay="indefinite"/>
+                      </p:stCondLst>
+                      <p:childTnLst>
+                        <p:par>
+                          <p:cTn id="16" fill="hold">
+                            <p:stCondLst>
+                              <p:cond delay="0"/>
+                            </p:stCondLst>
+                            <p:childTnLst>
+                              <p:par>
+                                <p:cTn id="17" presetID="1" presetClass="entr" presetSubtype="0" fill="hold" grpId="0" nodeType="clickEffect">
+                                  <p:stCondLst>
+                                    <p:cond delay="0"/>
+                                  </p:stCondLst>
+                                  <p:childTnLst>
+                                    <p:set>
+                                      <p:cBhvr>
+                                        <p:cTn id="18" dur="1" fill="hold">
+                                          <p:stCondLst>
+                                            <p:cond delay="0"/>
+                                          </p:stCondLst>
+                                        </p:cTn>
+                                        <p:tgtEl>
+                                          <p:spTgt spid="12">
                                             <p:txEl>
-                                              <p:pRg st="4" end="4"/>
+                                              <p:pRg st="0" end="0"/>
                                             </p:txEl>
                                           </p:spTgt>
+                                        </p:tgtEl>
+                                        <p:attrNameLst>
+                                          <p:attrName>style.visibility</p:attrName>
+                                        </p:attrNameLst>
+                                      </p:cBhvr>
+                                      <p:to>
+                                        <p:strVal val="visible"/>
+                                      </p:to>
+                                    </p:set>
+                                  </p:childTnLst>
+                                </p:cTn>
+                              </p:par>
+                              <p:par>
+                                <p:cTn id="19" presetID="1" presetClass="entr" presetSubtype="0" fill="hold" nodeType="withEffect">
+                                  <p:stCondLst>
+                                    <p:cond delay="0"/>
+                                  </p:stCondLst>
+                                  <p:childTnLst>
+                                    <p:set>
+                                      <p:cBhvr>
+                                        <p:cTn id="20" dur="1" fill="hold">
+                                          <p:stCondLst>
+                                            <p:cond delay="0"/>
+                                          </p:stCondLst>
+                                        </p:cTn>
+                                        <p:tgtEl>
+                                          <p:spTgt spid="10"/>
                                         </p:tgtEl>
                                         <p:attrNameLst>
                                           <p:attrName>style.visibility</p:attrName>
@@ -15419,7 +13740,9 @@
       </p:par>
     </p:tnLst>
     <p:bldLst>
-      <p:bldP spid="3" grpId="0" build="p"/>
+      <p:bldP spid="3" grpId="0" uiExpand="1" build="p"/>
+      <p:bldP spid="11" grpId="0" uiExpand="1" build="p"/>
+      <p:bldP spid="12" grpId="0" uiExpand="1" build="p"/>
     </p:bldLst>
   </p:timing>
 </p:sld>
